--- a/TKXDPM_nhóm02.pptx
+++ b/TKXDPM_nhóm02.pptx
@@ -269,8 +269,11 @@
     </a:lvl9pPr>
   </p:defaultTextStyle>
   <p:extLst>
+    <p:ext uri="{EFAFB233-063F-42B5-8137-9DF3F51BA10A}">
+      <p15:sldGuideLst xmlns:p15="http://schemas.microsoft.com/office/powerpoint/2012/main"/>
+    </p:ext>
     <p:ext uri="http://customooxmlschemas.google.com/">
-      <go:slidesCustomData xmlns:go="http://customooxmlschemas.google.com/" xmlns:ahyp="http://schemas.microsoft.com/office/drawing/2018/hyperlinkcolor" xmlns:p15="http://schemas.microsoft.com/office/powerpoint/2012/main" xmlns:p14="http://schemas.microsoft.com/office/powerpoint/2010/main" xmlns:com="http://schemas.openxmlformats.org/drawingml/2006/compatibility" xmlns:pvml="urn:schemas-microsoft-com:office:powerpoint" xmlns:v="urn:schemas-microsoft-com:vml" xmlns:o="urn:schemas-microsoft-com:office:office" xmlns:dgm="http://schemas.openxmlformats.org/drawingml/2006/diagram" xmlns:c="http://schemas.openxmlformats.org/drawingml/2006/chart" xmlns:mv="urn:schemas-microsoft-com:mac:vml" xmlns:mc="http://schemas.openxmlformats.org/markup-compatibility/2006" xmlns="" r:id="rId23" roundtripDataSignature="AMtx7mhP4xdMMgPE1xWsJs65D1IvS5X+/g=="/>
+      <go:slidesCustomData xmlns="" xmlns:mc="http://schemas.openxmlformats.org/markup-compatibility/2006" xmlns:mv="urn:schemas-microsoft-com:mac:vml" xmlns:c="http://schemas.openxmlformats.org/drawingml/2006/chart" xmlns:dgm="http://schemas.openxmlformats.org/drawingml/2006/diagram" xmlns:o="urn:schemas-microsoft-com:office:office" xmlns:v="urn:schemas-microsoft-com:vml" xmlns:pvml="urn:schemas-microsoft-com:office:powerpoint" xmlns:com="http://schemas.openxmlformats.org/drawingml/2006/compatibility" xmlns:p14="http://schemas.microsoft.com/office/powerpoint/2010/main" xmlns:p15="http://schemas.microsoft.com/office/powerpoint/2012/main" xmlns:ahyp="http://schemas.microsoft.com/office/drawing/2018/hyperlinkcolor" xmlns:go="http://customooxmlschemas.google.com/" r:id="rId23" roundtripDataSignature="AMtx7mhP4xdMMgPE1xWsJs65D1IvS5X+/g=="/>
     </p:ext>
   </p:extLst>
 </p:presentation>
@@ -10216,7 +10219,7 @@
               <a:buChar char="●"/>
             </a:pPr>
             <a:r>
-              <a:rPr lang="en-US">
+              <a:rPr lang="en-US" dirty="0">
                 <a:solidFill>
                   <a:srgbClr val="24292F"/>
                 </a:solidFill>
@@ -10228,9 +10231,84 @@
                 <a:cs typeface="Times New Roman"/>
                 <a:sym typeface="Times New Roman"/>
               </a:rPr>
-              <a:t>Lê Mạnh Cường: ViewDockInformation</a:t>
+              <a:t>Lê </a:t>
             </a:r>
-            <a:endParaRPr>
+            <a:r>
+              <a:rPr lang="en-US" dirty="0" err="1">
+                <a:solidFill>
+                  <a:srgbClr val="24292F"/>
+                </a:solidFill>
+                <a:highlight>
+                  <a:srgbClr val="FFFFFF"/>
+                </a:highlight>
+                <a:latin typeface="Times New Roman"/>
+                <a:ea typeface="Times New Roman"/>
+                <a:cs typeface="Times New Roman"/>
+                <a:sym typeface="Times New Roman"/>
+              </a:rPr>
+              <a:t>Mạnh</a:t>
+            </a:r>
+            <a:r>
+              <a:rPr lang="en-US" dirty="0">
+                <a:solidFill>
+                  <a:srgbClr val="24292F"/>
+                </a:solidFill>
+                <a:highlight>
+                  <a:srgbClr val="FFFFFF"/>
+                </a:highlight>
+                <a:latin typeface="Times New Roman"/>
+                <a:ea typeface="Times New Roman"/>
+                <a:cs typeface="Times New Roman"/>
+                <a:sym typeface="Times New Roman"/>
+              </a:rPr>
+              <a:t> </a:t>
+            </a:r>
+            <a:r>
+              <a:rPr lang="en-US" dirty="0" err="1">
+                <a:solidFill>
+                  <a:srgbClr val="24292F"/>
+                </a:solidFill>
+                <a:highlight>
+                  <a:srgbClr val="FFFFFF"/>
+                </a:highlight>
+                <a:latin typeface="Times New Roman"/>
+                <a:ea typeface="Times New Roman"/>
+                <a:cs typeface="Times New Roman"/>
+                <a:sym typeface="Times New Roman"/>
+              </a:rPr>
+              <a:t>Cường</a:t>
+            </a:r>
+            <a:r>
+              <a:rPr lang="en-US" dirty="0">
+                <a:solidFill>
+                  <a:srgbClr val="24292F"/>
+                </a:solidFill>
+                <a:highlight>
+                  <a:srgbClr val="FFFFFF"/>
+                </a:highlight>
+                <a:latin typeface="Times New Roman"/>
+                <a:ea typeface="Times New Roman"/>
+                <a:cs typeface="Times New Roman"/>
+                <a:sym typeface="Times New Roman"/>
+              </a:rPr>
+              <a:t>: </a:t>
+            </a:r>
+            <a:r>
+              <a:rPr lang="en-US" dirty="0" err="1">
+                <a:solidFill>
+                  <a:srgbClr val="24292F"/>
+                </a:solidFill>
+                <a:highlight>
+                  <a:srgbClr val="FFFFFF"/>
+                </a:highlight>
+                <a:latin typeface="Times New Roman"/>
+                <a:ea typeface="Times New Roman"/>
+                <a:cs typeface="Times New Roman"/>
+                <a:sym typeface="Times New Roman"/>
+              </a:rPr>
+              <a:t>ViewDockInformation</a:t>
+            </a:r>
+            <a:endParaRPr dirty="0">
               <a:solidFill>
                 <a:srgbClr val="24292F"/>
               </a:solidFill>
@@ -10259,7 +10337,7 @@
               <a:buChar char="●"/>
             </a:pPr>
             <a:r>
-              <a:rPr lang="en-US">
+              <a:rPr lang="en-US" dirty="0">
                 <a:solidFill>
                   <a:srgbClr val="24292F"/>
                 </a:solidFill>
@@ -10271,9 +10349,54 @@
                 <a:cs typeface="Times New Roman"/>
                 <a:sym typeface="Times New Roman"/>
               </a:rPr>
-              <a:t>Lê Dương Long: RentBike</a:t>
+              <a:t>Lê </a:t>
             </a:r>
-            <a:endParaRPr>
+            <a:r>
+              <a:rPr lang="en-US" dirty="0" err="1">
+                <a:solidFill>
+                  <a:srgbClr val="24292F"/>
+                </a:solidFill>
+                <a:highlight>
+                  <a:srgbClr val="FFFFFF"/>
+                </a:highlight>
+                <a:latin typeface="Times New Roman"/>
+                <a:ea typeface="Times New Roman"/>
+                <a:cs typeface="Times New Roman"/>
+                <a:sym typeface="Times New Roman"/>
+              </a:rPr>
+              <a:t>Dương</a:t>
+            </a:r>
+            <a:r>
+              <a:rPr lang="en-US" dirty="0">
+                <a:solidFill>
+                  <a:srgbClr val="24292F"/>
+                </a:solidFill>
+                <a:highlight>
+                  <a:srgbClr val="FFFFFF"/>
+                </a:highlight>
+                <a:latin typeface="Times New Roman"/>
+                <a:ea typeface="Times New Roman"/>
+                <a:cs typeface="Times New Roman"/>
+                <a:sym typeface="Times New Roman"/>
+              </a:rPr>
+              <a:t> Long: </a:t>
+            </a:r>
+            <a:r>
+              <a:rPr lang="en-US" dirty="0" err="1">
+                <a:solidFill>
+                  <a:srgbClr val="24292F"/>
+                </a:solidFill>
+                <a:highlight>
+                  <a:srgbClr val="FFFFFF"/>
+                </a:highlight>
+                <a:latin typeface="Times New Roman"/>
+                <a:ea typeface="Times New Roman"/>
+                <a:cs typeface="Times New Roman"/>
+                <a:sym typeface="Times New Roman"/>
+              </a:rPr>
+              <a:t>RentBike</a:t>
+            </a:r>
+            <a:endParaRPr dirty="0">
               <a:solidFill>
                 <a:srgbClr val="24292F"/>
               </a:solidFill>
@@ -10302,7 +10425,7 @@
               <a:buChar char="●"/>
             </a:pPr>
             <a:r>
-              <a:rPr lang="en-US">
+              <a:rPr lang="en-US" dirty="0" err="1">
                 <a:solidFill>
                   <a:srgbClr val="24292F"/>
                 </a:solidFill>
@@ -10314,9 +10437,69 @@
                 <a:cs typeface="Times New Roman"/>
                 <a:sym typeface="Times New Roman"/>
               </a:rPr>
-              <a:t>Đinh Công Minh: ViewRentingBikeInformation</a:t>
+              <a:t>Đinh</a:t>
             </a:r>
-            <a:endParaRPr>
+            <a:r>
+              <a:rPr lang="en-US" dirty="0">
+                <a:solidFill>
+                  <a:srgbClr val="24292F"/>
+                </a:solidFill>
+                <a:highlight>
+                  <a:srgbClr val="FFFFFF"/>
+                </a:highlight>
+                <a:latin typeface="Times New Roman"/>
+                <a:ea typeface="Times New Roman"/>
+                <a:cs typeface="Times New Roman"/>
+                <a:sym typeface="Times New Roman"/>
+              </a:rPr>
+              <a:t> </a:t>
+            </a:r>
+            <a:r>
+              <a:rPr lang="en-US" dirty="0" err="1">
+                <a:solidFill>
+                  <a:srgbClr val="24292F"/>
+                </a:solidFill>
+                <a:highlight>
+                  <a:srgbClr val="FFFFFF"/>
+                </a:highlight>
+                <a:latin typeface="Times New Roman"/>
+                <a:ea typeface="Times New Roman"/>
+                <a:cs typeface="Times New Roman"/>
+                <a:sym typeface="Times New Roman"/>
+              </a:rPr>
+              <a:t>Công</a:t>
+            </a:r>
+            <a:r>
+              <a:rPr lang="en-US" dirty="0">
+                <a:solidFill>
+                  <a:srgbClr val="24292F"/>
+                </a:solidFill>
+                <a:highlight>
+                  <a:srgbClr val="FFFFFF"/>
+                </a:highlight>
+                <a:latin typeface="Times New Roman"/>
+                <a:ea typeface="Times New Roman"/>
+                <a:cs typeface="Times New Roman"/>
+                <a:sym typeface="Times New Roman"/>
+              </a:rPr>
+              <a:t> Minh: </a:t>
+            </a:r>
+            <a:r>
+              <a:rPr lang="en-US" dirty="0" err="1">
+                <a:solidFill>
+                  <a:srgbClr val="24292F"/>
+                </a:solidFill>
+                <a:highlight>
+                  <a:srgbClr val="FFFFFF"/>
+                </a:highlight>
+                <a:latin typeface="Times New Roman"/>
+                <a:ea typeface="Times New Roman"/>
+                <a:cs typeface="Times New Roman"/>
+                <a:sym typeface="Times New Roman"/>
+              </a:rPr>
+              <a:t>ViewRentingBikeInformation</a:t>
+            </a:r>
+            <a:endParaRPr dirty="0">
               <a:solidFill>
                 <a:srgbClr val="24292F"/>
               </a:solidFill>
@@ -10345,7 +10528,7 @@
               <a:buChar char="●"/>
             </a:pPr>
             <a:r>
-              <a:rPr lang="en-US">
+              <a:rPr lang="en-US" dirty="0" err="1">
                 <a:solidFill>
                   <a:srgbClr val="24292F"/>
                 </a:solidFill>
@@ -10357,9 +10540,84 @@
                 <a:cs typeface="Times New Roman"/>
                 <a:sym typeface="Times New Roman"/>
               </a:rPr>
-              <a:t>Trần Đức Anh: ReturnBike </a:t>
+              <a:t>Trần</a:t>
             </a:r>
-            <a:endParaRPr>
+            <a:r>
+              <a:rPr lang="en-US" dirty="0">
+                <a:solidFill>
+                  <a:srgbClr val="24292F"/>
+                </a:solidFill>
+                <a:highlight>
+                  <a:srgbClr val="FFFFFF"/>
+                </a:highlight>
+                <a:latin typeface="Times New Roman"/>
+                <a:ea typeface="Times New Roman"/>
+                <a:cs typeface="Times New Roman"/>
+                <a:sym typeface="Times New Roman"/>
+              </a:rPr>
+              <a:t> </a:t>
+            </a:r>
+            <a:r>
+              <a:rPr lang="en-US" dirty="0" err="1">
+                <a:solidFill>
+                  <a:srgbClr val="24292F"/>
+                </a:solidFill>
+                <a:highlight>
+                  <a:srgbClr val="FFFFFF"/>
+                </a:highlight>
+                <a:latin typeface="Times New Roman"/>
+                <a:ea typeface="Times New Roman"/>
+                <a:cs typeface="Times New Roman"/>
+                <a:sym typeface="Times New Roman"/>
+              </a:rPr>
+              <a:t>Đức</a:t>
+            </a:r>
+            <a:r>
+              <a:rPr lang="en-US" dirty="0">
+                <a:solidFill>
+                  <a:srgbClr val="24292F"/>
+                </a:solidFill>
+                <a:highlight>
+                  <a:srgbClr val="FFFFFF"/>
+                </a:highlight>
+                <a:latin typeface="Times New Roman"/>
+                <a:ea typeface="Times New Roman"/>
+                <a:cs typeface="Times New Roman"/>
+                <a:sym typeface="Times New Roman"/>
+              </a:rPr>
+              <a:t> Anh: </a:t>
+            </a:r>
+            <a:r>
+              <a:rPr lang="en-US" dirty="0" err="1">
+                <a:solidFill>
+                  <a:srgbClr val="24292F"/>
+                </a:solidFill>
+                <a:highlight>
+                  <a:srgbClr val="FFFFFF"/>
+                </a:highlight>
+                <a:latin typeface="Times New Roman"/>
+                <a:ea typeface="Times New Roman"/>
+                <a:cs typeface="Times New Roman"/>
+                <a:sym typeface="Times New Roman"/>
+              </a:rPr>
+              <a:t>ReturnBike</a:t>
+            </a:r>
+            <a:r>
+              <a:rPr lang="en-US" dirty="0">
+                <a:solidFill>
+                  <a:srgbClr val="24292F"/>
+                </a:solidFill>
+                <a:highlight>
+                  <a:srgbClr val="FFFFFF"/>
+                </a:highlight>
+                <a:latin typeface="Times New Roman"/>
+                <a:ea typeface="Times New Roman"/>
+                <a:cs typeface="Times New Roman"/>
+                <a:sym typeface="Times New Roman"/>
+              </a:rPr>
+              <a:t> </a:t>
+            </a:r>
+            <a:endParaRPr dirty="0">
               <a:latin typeface="Times New Roman"/>
               <a:ea typeface="Times New Roman"/>
               <a:cs typeface="Times New Roman"/>

--- a/TKXDPM_nhóm02.pptx
+++ b/TKXDPM_nhóm02.pptx
@@ -5,38 +5,40 @@
     <p:sldMasterId id="2147483648" r:id="rId1"/>
   </p:sldMasterIdLst>
   <p:notesMasterIdLst>
-    <p:notesMasterId r:id="rId14"/>
+    <p:notesMasterId r:id="rId16"/>
   </p:notesMasterIdLst>
   <p:sldIdLst>
     <p:sldId id="256" r:id="rId2"/>
     <p:sldId id="257" r:id="rId3"/>
     <p:sldId id="258" r:id="rId4"/>
     <p:sldId id="259" r:id="rId5"/>
-    <p:sldId id="260" r:id="rId6"/>
-    <p:sldId id="261" r:id="rId7"/>
-    <p:sldId id="262" r:id="rId8"/>
-    <p:sldId id="263" r:id="rId9"/>
-    <p:sldId id="264" r:id="rId10"/>
-    <p:sldId id="265" r:id="rId11"/>
-    <p:sldId id="266" r:id="rId12"/>
-    <p:sldId id="267" r:id="rId13"/>
+    <p:sldId id="268" r:id="rId6"/>
+    <p:sldId id="260" r:id="rId7"/>
+    <p:sldId id="261" r:id="rId8"/>
+    <p:sldId id="262" r:id="rId9"/>
+    <p:sldId id="269" r:id="rId10"/>
+    <p:sldId id="263" r:id="rId11"/>
+    <p:sldId id="264" r:id="rId12"/>
+    <p:sldId id="265" r:id="rId13"/>
+    <p:sldId id="266" r:id="rId14"/>
+    <p:sldId id="267" r:id="rId15"/>
   </p:sldIdLst>
   <p:sldSz cx="9144000" cy="6858000" type="screen4x3"/>
   <p:notesSz cx="6858000" cy="9144000"/>
   <p:embeddedFontLst>
     <p:embeddedFont>
       <p:font typeface="Calibri" panose="020F0502020204030204" pitchFamily="34" charset="0"/>
-      <p:regular r:id="rId15"/>
-      <p:bold r:id="rId16"/>
-      <p:italic r:id="rId17"/>
-      <p:boldItalic r:id="rId18"/>
+      <p:regular r:id="rId17"/>
+      <p:bold r:id="rId18"/>
+      <p:italic r:id="rId19"/>
+      <p:boldItalic r:id="rId20"/>
     </p:embeddedFont>
     <p:embeddedFont>
       <p:font typeface="Lato" panose="020F0502020204030203" pitchFamily="34" charset="0"/>
-      <p:regular r:id="rId19"/>
-      <p:bold r:id="rId20"/>
-      <p:italic r:id="rId21"/>
-      <p:boldItalic r:id="rId22"/>
+      <p:regular r:id="rId21"/>
+      <p:bold r:id="rId22"/>
+      <p:italic r:id="rId23"/>
+      <p:boldItalic r:id="rId24"/>
     </p:embeddedFont>
   </p:embeddedFontLst>
   <p:defaultTextStyle>
@@ -273,7 +275,7 @@
       <p15:sldGuideLst xmlns:p15="http://schemas.microsoft.com/office/powerpoint/2012/main"/>
     </p:ext>
     <p:ext uri="http://customooxmlschemas.google.com/">
-      <go:slidesCustomData xmlns="" xmlns:mc="http://schemas.openxmlformats.org/markup-compatibility/2006" xmlns:mv="urn:schemas-microsoft-com:mac:vml" xmlns:c="http://schemas.openxmlformats.org/drawingml/2006/chart" xmlns:dgm="http://schemas.openxmlformats.org/drawingml/2006/diagram" xmlns:o="urn:schemas-microsoft-com:office:office" xmlns:v="urn:schemas-microsoft-com:vml" xmlns:pvml="urn:schemas-microsoft-com:office:powerpoint" xmlns:com="http://schemas.openxmlformats.org/drawingml/2006/compatibility" xmlns:p14="http://schemas.microsoft.com/office/powerpoint/2010/main" xmlns:p15="http://schemas.microsoft.com/office/powerpoint/2012/main" xmlns:ahyp="http://schemas.microsoft.com/office/drawing/2018/hyperlinkcolor" xmlns:go="http://customooxmlschemas.google.com/" r:id="rId23" roundtripDataSignature="AMtx7mhP4xdMMgPE1xWsJs65D1IvS5X+/g=="/>
+      <go:slidesCustomData xmlns:go="http://customooxmlschemas.google.com/" xmlns:ahyp="http://schemas.microsoft.com/office/drawing/2018/hyperlinkcolor" xmlns:p15="http://schemas.microsoft.com/office/powerpoint/2012/main" xmlns:p14="http://schemas.microsoft.com/office/powerpoint/2010/main" xmlns:com="http://schemas.openxmlformats.org/drawingml/2006/compatibility" xmlns:pvml="urn:schemas-microsoft-com:office:powerpoint" xmlns:v="urn:schemas-microsoft-com:vml" xmlns:o="urn:schemas-microsoft-com:office:office" xmlns:dgm="http://schemas.openxmlformats.org/drawingml/2006/diagram" xmlns:c="http://schemas.openxmlformats.org/drawingml/2006/chart" xmlns:mv="urn:schemas-microsoft-com:mac:vml" xmlns:mc="http://schemas.openxmlformats.org/markup-compatibility/2006" xmlns="" r:id="rId25" roundtripDataSignature="AMtx7mhP4xdMMgPE1xWsJs65D1IvS5X+/g=="/>
     </p:ext>
   </p:extLst>
 </p:presentation>
@@ -1859,6 +1861,298 @@
   <p:cSld>
     <p:spTree>
       <p:nvGrpSpPr>
+        <p:cNvPr id="1" name="Shape 88"/>
+        <p:cNvGrpSpPr/>
+        <p:nvPr/>
+      </p:nvGrpSpPr>
+      <p:grpSpPr>
+        <a:xfrm>
+          <a:off x="0" y="0"/>
+          <a:ext cx="0" cy="0"/>
+          <a:chOff x="0" y="0"/>
+          <a:chExt cx="0" cy="0"/>
+        </a:xfrm>
+      </p:grpSpPr>
+      <p:sp>
+        <p:nvSpPr>
+          <p:cNvPr id="89" name="Google Shape;89;g10d8ad6ea2c_0_40:notes"/>
+          <p:cNvSpPr>
+            <a:spLocks noGrp="1" noRot="1" noChangeAspect="1"/>
+          </p:cNvSpPr>
+          <p:nvPr>
+            <p:ph type="sldImg" idx="2"/>
+          </p:nvPr>
+        </p:nvSpPr>
+        <p:spPr>
+          <a:xfrm>
+            <a:off x="1371600" y="1143000"/>
+            <a:ext cx="4114800" cy="3086100"/>
+          </a:xfrm>
+          <a:custGeom>
+            <a:avLst/>
+            <a:gdLst/>
+            <a:ahLst/>
+            <a:cxnLst/>
+            <a:rect l="l" t="t" r="r" b="b"/>
+            <a:pathLst>
+              <a:path w="120000" h="120000" extrusionOk="0">
+                <a:moveTo>
+                  <a:pt x="0" y="0"/>
+                </a:moveTo>
+                <a:lnTo>
+                  <a:pt x="120000" y="0"/>
+                </a:lnTo>
+                <a:lnTo>
+                  <a:pt x="120000" y="120000"/>
+                </a:lnTo>
+                <a:lnTo>
+                  <a:pt x="0" y="120000"/>
+                </a:lnTo>
+                <a:close/>
+              </a:path>
+            </a:pathLst>
+          </a:custGeom>
+        </p:spPr>
+      </p:sp>
+      <p:sp>
+        <p:nvSpPr>
+          <p:cNvPr id="90" name="Google Shape;90;g10d8ad6ea2c_0_40:notes"/>
+          <p:cNvSpPr txBox="1">
+            <a:spLocks noGrp="1"/>
+          </p:cNvSpPr>
+          <p:nvPr>
+            <p:ph type="body" idx="1"/>
+          </p:nvPr>
+        </p:nvSpPr>
+        <p:spPr>
+          <a:xfrm>
+            <a:off x="685800" y="4400550"/>
+            <a:ext cx="5486400" cy="3600600"/>
+          </a:xfrm>
+          <a:prstGeom prst="rect">
+            <a:avLst/>
+          </a:prstGeom>
+        </p:spPr>
+        <p:txBody>
+          <a:bodyPr spcFirstLastPara="1" wrap="square" lIns="91425" tIns="45700" rIns="91425" bIns="45700" anchor="t" anchorCtr="0">
+            <a:noAutofit/>
+          </a:bodyPr>
+          <a:lstStyle/>
+          <a:p>
+            <a:pPr marL="0" lvl="0" indent="0" algn="l" rtl="0">
+              <a:spcBef>
+                <a:spcPts val="0"/>
+              </a:spcBef>
+              <a:spcAft>
+                <a:spcPts val="0"/>
+              </a:spcAft>
+              <a:buNone/>
+            </a:pPr>
+            <a:endParaRPr/>
+          </a:p>
+        </p:txBody>
+      </p:sp>
+      <p:sp>
+        <p:nvSpPr>
+          <p:cNvPr id="91" name="Google Shape;91;g10d8ad6ea2c_0_40:notes"/>
+          <p:cNvSpPr txBox="1">
+            <a:spLocks noGrp="1"/>
+          </p:cNvSpPr>
+          <p:nvPr>
+            <p:ph type="sldNum" idx="12"/>
+          </p:nvPr>
+        </p:nvSpPr>
+        <p:spPr>
+          <a:xfrm>
+            <a:off x="3884613" y="8685213"/>
+            <a:ext cx="2971800" cy="458700"/>
+          </a:xfrm>
+          <a:prstGeom prst="rect">
+            <a:avLst/>
+          </a:prstGeom>
+        </p:spPr>
+        <p:txBody>
+          <a:bodyPr spcFirstLastPara="1" wrap="square" lIns="91425" tIns="45700" rIns="91425" bIns="45700" anchor="b" anchorCtr="0">
+            <a:noAutofit/>
+          </a:bodyPr>
+          <a:lstStyle/>
+          <a:p>
+            <a:pPr marL="0" lvl="0" indent="0" algn="r" rtl="0">
+              <a:spcBef>
+                <a:spcPts val="0"/>
+              </a:spcBef>
+              <a:spcAft>
+                <a:spcPts val="0"/>
+              </a:spcAft>
+              <a:buNone/>
+            </a:pPr>
+            <a:fld id="{00000000-1234-1234-1234-123412341234}" type="slidenum">
+              <a:rPr lang="en-US"/>
+              <a:t>10</a:t>
+            </a:fld>
+            <a:endParaRPr/>
+          </a:p>
+        </p:txBody>
+      </p:sp>
+    </p:spTree>
+  </p:cSld>
+  <p:clrMapOvr>
+    <a:masterClrMapping/>
+  </p:clrMapOvr>
+</p:notes>
+</file>
+
+<file path=ppt/notesSlides/notesSlide11.xml><?xml version="1.0" encoding="utf-8"?>
+<p:notes xmlns:a="http://schemas.openxmlformats.org/drawingml/2006/main" xmlns:r="http://schemas.openxmlformats.org/officeDocument/2006/relationships" xmlns:p="http://schemas.openxmlformats.org/presentationml/2006/main" showMasterSp="0" showMasterPhAnim="0">
+  <p:cSld>
+    <p:spTree>
+      <p:nvGrpSpPr>
+        <p:cNvPr id="1" name="Shape 97"/>
+        <p:cNvGrpSpPr/>
+        <p:nvPr/>
+      </p:nvGrpSpPr>
+      <p:grpSpPr>
+        <a:xfrm>
+          <a:off x="0" y="0"/>
+          <a:ext cx="0" cy="0"/>
+          <a:chOff x="0" y="0"/>
+          <a:chExt cx="0" cy="0"/>
+        </a:xfrm>
+      </p:grpSpPr>
+      <p:sp>
+        <p:nvSpPr>
+          <p:cNvPr id="98" name="Google Shape;98;g10d8ad6ea2c_0_49:notes"/>
+          <p:cNvSpPr>
+            <a:spLocks noGrp="1" noRot="1" noChangeAspect="1"/>
+          </p:cNvSpPr>
+          <p:nvPr>
+            <p:ph type="sldImg" idx="2"/>
+          </p:nvPr>
+        </p:nvSpPr>
+        <p:spPr>
+          <a:xfrm>
+            <a:off x="1371600" y="1143000"/>
+            <a:ext cx="4114800" cy="3086100"/>
+          </a:xfrm>
+          <a:custGeom>
+            <a:avLst/>
+            <a:gdLst/>
+            <a:ahLst/>
+            <a:cxnLst/>
+            <a:rect l="l" t="t" r="r" b="b"/>
+            <a:pathLst>
+              <a:path w="120000" h="120000" extrusionOk="0">
+                <a:moveTo>
+                  <a:pt x="0" y="0"/>
+                </a:moveTo>
+                <a:lnTo>
+                  <a:pt x="120000" y="0"/>
+                </a:lnTo>
+                <a:lnTo>
+                  <a:pt x="120000" y="120000"/>
+                </a:lnTo>
+                <a:lnTo>
+                  <a:pt x="0" y="120000"/>
+                </a:lnTo>
+                <a:close/>
+              </a:path>
+            </a:pathLst>
+          </a:custGeom>
+        </p:spPr>
+      </p:sp>
+      <p:sp>
+        <p:nvSpPr>
+          <p:cNvPr id="99" name="Google Shape;99;g10d8ad6ea2c_0_49:notes"/>
+          <p:cNvSpPr txBox="1">
+            <a:spLocks noGrp="1"/>
+          </p:cNvSpPr>
+          <p:nvPr>
+            <p:ph type="body" idx="1"/>
+          </p:nvPr>
+        </p:nvSpPr>
+        <p:spPr>
+          <a:xfrm>
+            <a:off x="685800" y="4400550"/>
+            <a:ext cx="5486400" cy="3600600"/>
+          </a:xfrm>
+          <a:prstGeom prst="rect">
+            <a:avLst/>
+          </a:prstGeom>
+        </p:spPr>
+        <p:txBody>
+          <a:bodyPr spcFirstLastPara="1" wrap="square" lIns="91425" tIns="45700" rIns="91425" bIns="45700" anchor="t" anchorCtr="0">
+            <a:noAutofit/>
+          </a:bodyPr>
+          <a:lstStyle/>
+          <a:p>
+            <a:pPr marL="0" lvl="0" indent="0" algn="l" rtl="0">
+              <a:spcBef>
+                <a:spcPts val="0"/>
+              </a:spcBef>
+              <a:spcAft>
+                <a:spcPts val="0"/>
+              </a:spcAft>
+              <a:buNone/>
+            </a:pPr>
+            <a:endParaRPr/>
+          </a:p>
+        </p:txBody>
+      </p:sp>
+      <p:sp>
+        <p:nvSpPr>
+          <p:cNvPr id="100" name="Google Shape;100;g10d8ad6ea2c_0_49:notes"/>
+          <p:cNvSpPr txBox="1">
+            <a:spLocks noGrp="1"/>
+          </p:cNvSpPr>
+          <p:nvPr>
+            <p:ph type="sldNum" idx="12"/>
+          </p:nvPr>
+        </p:nvSpPr>
+        <p:spPr>
+          <a:xfrm>
+            <a:off x="3884613" y="8685213"/>
+            <a:ext cx="2971800" cy="458700"/>
+          </a:xfrm>
+          <a:prstGeom prst="rect">
+            <a:avLst/>
+          </a:prstGeom>
+        </p:spPr>
+        <p:txBody>
+          <a:bodyPr spcFirstLastPara="1" wrap="square" lIns="91425" tIns="45700" rIns="91425" bIns="45700" anchor="b" anchorCtr="0">
+            <a:noAutofit/>
+          </a:bodyPr>
+          <a:lstStyle/>
+          <a:p>
+            <a:pPr marL="0" lvl="0" indent="0" algn="r" rtl="0">
+              <a:spcBef>
+                <a:spcPts val="0"/>
+              </a:spcBef>
+              <a:spcAft>
+                <a:spcPts val="0"/>
+              </a:spcAft>
+              <a:buNone/>
+            </a:pPr>
+            <a:fld id="{00000000-1234-1234-1234-123412341234}" type="slidenum">
+              <a:rPr lang="en-US"/>
+              <a:t>11</a:t>
+            </a:fld>
+            <a:endParaRPr/>
+          </a:p>
+        </p:txBody>
+      </p:sp>
+    </p:spTree>
+  </p:cSld>
+  <p:clrMapOvr>
+    <a:masterClrMapping/>
+  </p:clrMapOvr>
+</p:notes>
+</file>
+
+<file path=ppt/notesSlides/notesSlide12.xml><?xml version="1.0" encoding="utf-8"?>
+<p:notes xmlns:a="http://schemas.openxmlformats.org/drawingml/2006/main" xmlns:r="http://schemas.openxmlformats.org/officeDocument/2006/relationships" xmlns:p="http://schemas.openxmlformats.org/presentationml/2006/main" showMasterSp="0" showMasterPhAnim="0">
+  <p:cSld>
+    <p:spTree>
+      <p:nvGrpSpPr>
         <p:cNvPr id="1" name="Shape 106"/>
         <p:cNvGrpSpPr/>
         <p:nvPr/>
@@ -1991,7 +2285,7 @@
             </a:pPr>
             <a:fld id="{00000000-1234-1234-1234-123412341234}" type="slidenum">
               <a:rPr lang="en-US"/>
-              <a:t>10</a:t>
+              <a:t>12</a:t>
             </a:fld>
             <a:endParaRPr/>
           </a:p>
@@ -2005,7 +2299,7 @@
 </p:notes>
 </file>
 
-<file path=ppt/notesSlides/notesSlide11.xml><?xml version="1.0" encoding="utf-8"?>
+<file path=ppt/notesSlides/notesSlide13.xml><?xml version="1.0" encoding="utf-8"?>
 <p:notes xmlns:a="http://schemas.openxmlformats.org/drawingml/2006/main" xmlns:r="http://schemas.openxmlformats.org/officeDocument/2006/relationships" xmlns:p="http://schemas.openxmlformats.org/presentationml/2006/main" showMasterSp="0" showMasterPhAnim="0">
   <p:cSld>
     <p:spTree>
@@ -2137,7 +2431,7 @@
             </a:pPr>
             <a:fld id="{00000000-1234-1234-1234-123412341234}" type="slidenum">
               <a:rPr lang="en-US"/>
-              <a:t>11</a:t>
+              <a:t>13</a:t>
             </a:fld>
             <a:endParaRPr/>
           </a:p>
@@ -2151,7 +2445,7 @@
 </p:notes>
 </file>
 
-<file path=ppt/notesSlides/notesSlide12.xml><?xml version="1.0" encoding="utf-8"?>
+<file path=ppt/notesSlides/notesSlide14.xml><?xml version="1.0" encoding="utf-8"?>
 <p:notes xmlns:a="http://schemas.openxmlformats.org/drawingml/2006/main" xmlns:r="http://schemas.openxmlformats.org/officeDocument/2006/relationships" xmlns:p="http://schemas.openxmlformats.org/presentationml/2006/main" showMasterSp="0" showMasterPhAnim="0">
   <p:cSld>
     <p:spTree>
@@ -2702,6 +2996,162 @@
   <p:cSld>
     <p:spTree>
       <p:nvGrpSpPr>
+        <p:cNvPr id="1" name="Shape 52"/>
+        <p:cNvGrpSpPr/>
+        <p:nvPr/>
+      </p:nvGrpSpPr>
+      <p:grpSpPr>
+        <a:xfrm>
+          <a:off x="0" y="0"/>
+          <a:ext cx="0" cy="0"/>
+          <a:chOff x="0" y="0"/>
+          <a:chExt cx="0" cy="0"/>
+        </a:xfrm>
+      </p:grpSpPr>
+      <p:sp>
+        <p:nvSpPr>
+          <p:cNvPr id="53" name="Google Shape;53;g10d8ad6ea2c_0_8:notes"/>
+          <p:cNvSpPr>
+            <a:spLocks noGrp="1" noRot="1" noChangeAspect="1"/>
+          </p:cNvSpPr>
+          <p:nvPr>
+            <p:ph type="sldImg" idx="2"/>
+          </p:nvPr>
+        </p:nvSpPr>
+        <p:spPr>
+          <a:xfrm>
+            <a:off x="1371600" y="1143000"/>
+            <a:ext cx="4114800" cy="3086100"/>
+          </a:xfrm>
+          <a:custGeom>
+            <a:avLst/>
+            <a:gdLst/>
+            <a:ahLst/>
+            <a:cxnLst/>
+            <a:rect l="l" t="t" r="r" b="b"/>
+            <a:pathLst>
+              <a:path w="120000" h="120000" extrusionOk="0">
+                <a:moveTo>
+                  <a:pt x="0" y="0"/>
+                </a:moveTo>
+                <a:lnTo>
+                  <a:pt x="120000" y="0"/>
+                </a:lnTo>
+                <a:lnTo>
+                  <a:pt x="120000" y="120000"/>
+                </a:lnTo>
+                <a:lnTo>
+                  <a:pt x="0" y="120000"/>
+                </a:lnTo>
+                <a:close/>
+              </a:path>
+            </a:pathLst>
+          </a:custGeom>
+        </p:spPr>
+      </p:sp>
+      <p:sp>
+        <p:nvSpPr>
+          <p:cNvPr id="54" name="Google Shape;54;g10d8ad6ea2c_0_8:notes"/>
+          <p:cNvSpPr txBox="1">
+            <a:spLocks noGrp="1"/>
+          </p:cNvSpPr>
+          <p:nvPr>
+            <p:ph type="body" idx="1"/>
+          </p:nvPr>
+        </p:nvSpPr>
+        <p:spPr>
+          <a:xfrm>
+            <a:off x="685800" y="4400550"/>
+            <a:ext cx="5486400" cy="3600600"/>
+          </a:xfrm>
+          <a:prstGeom prst="rect">
+            <a:avLst/>
+          </a:prstGeom>
+        </p:spPr>
+        <p:txBody>
+          <a:bodyPr spcFirstLastPara="1" wrap="square" lIns="91425" tIns="45700" rIns="91425" bIns="45700" anchor="t" anchorCtr="0">
+            <a:noAutofit/>
+          </a:bodyPr>
+          <a:lstStyle/>
+          <a:p>
+            <a:pPr marL="0" lvl="0" indent="0" algn="l" rtl="0">
+              <a:spcBef>
+                <a:spcPts val="0"/>
+              </a:spcBef>
+              <a:spcAft>
+                <a:spcPts val="0"/>
+              </a:spcAft>
+              <a:buNone/>
+            </a:pPr>
+            <a:endParaRPr/>
+          </a:p>
+        </p:txBody>
+      </p:sp>
+      <p:sp>
+        <p:nvSpPr>
+          <p:cNvPr id="55" name="Google Shape;55;g10d8ad6ea2c_0_8:notes"/>
+          <p:cNvSpPr txBox="1">
+            <a:spLocks noGrp="1"/>
+          </p:cNvSpPr>
+          <p:nvPr>
+            <p:ph type="sldNum" idx="12"/>
+          </p:nvPr>
+        </p:nvSpPr>
+        <p:spPr>
+          <a:xfrm>
+            <a:off x="3884613" y="8685213"/>
+            <a:ext cx="2971800" cy="458700"/>
+          </a:xfrm>
+          <a:prstGeom prst="rect">
+            <a:avLst/>
+          </a:prstGeom>
+        </p:spPr>
+        <p:txBody>
+          <a:bodyPr spcFirstLastPara="1" wrap="square" lIns="91425" tIns="45700" rIns="91425" bIns="45700" anchor="b" anchorCtr="0">
+            <a:noAutofit/>
+          </a:bodyPr>
+          <a:lstStyle/>
+          <a:p>
+            <a:pPr marL="0" lvl="0" indent="0" algn="r" rtl="0">
+              <a:spcBef>
+                <a:spcPts val="0"/>
+              </a:spcBef>
+              <a:spcAft>
+                <a:spcPts val="0"/>
+              </a:spcAft>
+              <a:buClr>
+                <a:srgbClr val="000000"/>
+              </a:buClr>
+              <a:buSzPts val="1200"/>
+              <a:buFont typeface="Arial"/>
+              <a:buNone/>
+            </a:pPr>
+            <a:fld id="{00000000-1234-1234-1234-123412341234}" type="slidenum">
+              <a:rPr lang="en-US"/>
+              <a:t>5</a:t>
+            </a:fld>
+            <a:endParaRPr/>
+          </a:p>
+        </p:txBody>
+      </p:sp>
+    </p:spTree>
+    <p:extLst>
+      <p:ext uri="{BB962C8B-B14F-4D97-AF65-F5344CB8AC3E}">
+        <p14:creationId xmlns:p14="http://schemas.microsoft.com/office/powerpoint/2010/main" val="1422570713"/>
+      </p:ext>
+    </p:extLst>
+  </p:cSld>
+  <p:clrMapOvr>
+    <a:masterClrMapping/>
+  </p:clrMapOvr>
+</p:notes>
+</file>
+
+<file path=ppt/notesSlides/notesSlide6.xml><?xml version="1.0" encoding="utf-8"?>
+<p:notes xmlns:a="http://schemas.openxmlformats.org/drawingml/2006/main" xmlns:r="http://schemas.openxmlformats.org/officeDocument/2006/relationships" xmlns:p="http://schemas.openxmlformats.org/presentationml/2006/main" showMasterSp="0" showMasterPhAnim="0">
+  <p:cSld>
+    <p:spTree>
+      <p:nvGrpSpPr>
         <p:cNvPr id="1" name="Shape 61"/>
         <p:cNvGrpSpPr/>
         <p:nvPr/>
@@ -2829,7 +3279,7 @@
             </a:pPr>
             <a:fld id="{00000000-1234-1234-1234-123412341234}" type="slidenum">
               <a:rPr lang="en-US"/>
-              <a:t>5</a:t>
+              <a:t>6</a:t>
             </a:fld>
             <a:endParaRPr/>
           </a:p>
@@ -2843,7 +3293,7 @@
 </p:notes>
 </file>
 
-<file path=ppt/notesSlides/notesSlide6.xml><?xml version="1.0" encoding="utf-8"?>
+<file path=ppt/notesSlides/notesSlide7.xml><?xml version="1.0" encoding="utf-8"?>
 <p:notes xmlns:a="http://schemas.openxmlformats.org/drawingml/2006/main" xmlns:r="http://schemas.openxmlformats.org/officeDocument/2006/relationships" xmlns:p="http://schemas.openxmlformats.org/presentationml/2006/main" showMasterSp="0" showMasterPhAnim="0">
   <p:cSld>
     <p:spTree>
@@ -2975,7 +3425,7 @@
             </a:pPr>
             <a:fld id="{00000000-1234-1234-1234-123412341234}" type="slidenum">
               <a:rPr lang="en-US"/>
-              <a:t>6</a:t>
+              <a:t>7</a:t>
             </a:fld>
             <a:endParaRPr/>
           </a:p>
@@ -2989,7 +3439,7 @@
 </p:notes>
 </file>
 
-<file path=ppt/notesSlides/notesSlide7.xml><?xml version="1.0" encoding="utf-8"?>
+<file path=ppt/notesSlides/notesSlide8.xml><?xml version="1.0" encoding="utf-8"?>
 <p:notes xmlns:a="http://schemas.openxmlformats.org/drawingml/2006/main" xmlns:r="http://schemas.openxmlformats.org/officeDocument/2006/relationships" xmlns:p="http://schemas.openxmlformats.org/presentationml/2006/main" showMasterSp="0" showMasterPhAnim="0">
   <p:cSld>
     <p:spTree>
@@ -3126,7 +3576,7 @@
             </a:pPr>
             <a:fld id="{00000000-1234-1234-1234-123412341234}" type="slidenum">
               <a:rPr lang="en-US"/>
-              <a:t>7</a:t>
+              <a:t>8</a:t>
             </a:fld>
             <a:endParaRPr/>
           </a:p>
@@ -3140,12 +3590,12 @@
 </p:notes>
 </file>
 
-<file path=ppt/notesSlides/notesSlide8.xml><?xml version="1.0" encoding="utf-8"?>
+<file path=ppt/notesSlides/notesSlide9.xml><?xml version="1.0" encoding="utf-8"?>
 <p:notes xmlns:a="http://schemas.openxmlformats.org/drawingml/2006/main" xmlns:r="http://schemas.openxmlformats.org/officeDocument/2006/relationships" xmlns:p="http://schemas.openxmlformats.org/presentationml/2006/main" showMasterSp="0" showMasterPhAnim="0">
   <p:cSld>
     <p:spTree>
       <p:nvGrpSpPr>
-        <p:cNvPr id="1" name="Shape 88"/>
+        <p:cNvPr id="1" name="Shape 79"/>
         <p:cNvGrpSpPr/>
         <p:nvPr/>
       </p:nvGrpSpPr>
@@ -3159,7 +3609,7 @@
       </p:grpSpPr>
       <p:sp>
         <p:nvSpPr>
-          <p:cNvPr id="89" name="Google Shape;89;g10d8ad6ea2c_0_40:notes"/>
+          <p:cNvPr id="80" name="Google Shape;80;g10d8ad6ea2c_0_32:notes"/>
           <p:cNvSpPr>
             <a:spLocks noGrp="1" noRot="1" noChangeAspect="1"/>
           </p:cNvSpPr>
@@ -3200,7 +3650,7 @@
       </p:sp>
       <p:sp>
         <p:nvSpPr>
-          <p:cNvPr id="90" name="Google Shape;90;g10d8ad6ea2c_0_40:notes"/>
+          <p:cNvPr id="81" name="Google Shape;81;g10d8ad6ea2c_0_32:notes"/>
           <p:cNvSpPr txBox="1">
             <a:spLocks noGrp="1"/>
           </p:cNvSpPr>
@@ -3238,7 +3688,7 @@
       </p:sp>
       <p:sp>
         <p:nvSpPr>
-          <p:cNvPr id="91" name="Google Shape;91;g10d8ad6ea2c_0_40:notes"/>
+          <p:cNvPr id="82" name="Google Shape;82;g10d8ad6ea2c_0_32:notes"/>
           <p:cNvSpPr txBox="1">
             <a:spLocks noGrp="1"/>
           </p:cNvSpPr>
@@ -3268,152 +3718,11 @@
               <a:spcAft>
                 <a:spcPts val="0"/>
               </a:spcAft>
-              <a:buNone/>
-            </a:pPr>
-            <a:fld id="{00000000-1234-1234-1234-123412341234}" type="slidenum">
-              <a:rPr lang="en-US"/>
-              <a:t>8</a:t>
-            </a:fld>
-            <a:endParaRPr/>
-          </a:p>
-        </p:txBody>
-      </p:sp>
-    </p:spTree>
-  </p:cSld>
-  <p:clrMapOvr>
-    <a:masterClrMapping/>
-  </p:clrMapOvr>
-</p:notes>
-</file>
-
-<file path=ppt/notesSlides/notesSlide9.xml><?xml version="1.0" encoding="utf-8"?>
-<p:notes xmlns:a="http://schemas.openxmlformats.org/drawingml/2006/main" xmlns:r="http://schemas.openxmlformats.org/officeDocument/2006/relationships" xmlns:p="http://schemas.openxmlformats.org/presentationml/2006/main" showMasterSp="0" showMasterPhAnim="0">
-  <p:cSld>
-    <p:spTree>
-      <p:nvGrpSpPr>
-        <p:cNvPr id="1" name="Shape 97"/>
-        <p:cNvGrpSpPr/>
-        <p:nvPr/>
-      </p:nvGrpSpPr>
-      <p:grpSpPr>
-        <a:xfrm>
-          <a:off x="0" y="0"/>
-          <a:ext cx="0" cy="0"/>
-          <a:chOff x="0" y="0"/>
-          <a:chExt cx="0" cy="0"/>
-        </a:xfrm>
-      </p:grpSpPr>
-      <p:sp>
-        <p:nvSpPr>
-          <p:cNvPr id="98" name="Google Shape;98;g10d8ad6ea2c_0_49:notes"/>
-          <p:cNvSpPr>
-            <a:spLocks noGrp="1" noRot="1" noChangeAspect="1"/>
-          </p:cNvSpPr>
-          <p:nvPr>
-            <p:ph type="sldImg" idx="2"/>
-          </p:nvPr>
-        </p:nvSpPr>
-        <p:spPr>
-          <a:xfrm>
-            <a:off x="1371600" y="1143000"/>
-            <a:ext cx="4114800" cy="3086100"/>
-          </a:xfrm>
-          <a:custGeom>
-            <a:avLst/>
-            <a:gdLst/>
-            <a:ahLst/>
-            <a:cxnLst/>
-            <a:rect l="l" t="t" r="r" b="b"/>
-            <a:pathLst>
-              <a:path w="120000" h="120000" extrusionOk="0">
-                <a:moveTo>
-                  <a:pt x="0" y="0"/>
-                </a:moveTo>
-                <a:lnTo>
-                  <a:pt x="120000" y="0"/>
-                </a:lnTo>
-                <a:lnTo>
-                  <a:pt x="120000" y="120000"/>
-                </a:lnTo>
-                <a:lnTo>
-                  <a:pt x="0" y="120000"/>
-                </a:lnTo>
-                <a:close/>
-              </a:path>
-            </a:pathLst>
-          </a:custGeom>
-        </p:spPr>
-      </p:sp>
-      <p:sp>
-        <p:nvSpPr>
-          <p:cNvPr id="99" name="Google Shape;99;g10d8ad6ea2c_0_49:notes"/>
-          <p:cNvSpPr txBox="1">
-            <a:spLocks noGrp="1"/>
-          </p:cNvSpPr>
-          <p:nvPr>
-            <p:ph type="body" idx="1"/>
-          </p:nvPr>
-        </p:nvSpPr>
-        <p:spPr>
-          <a:xfrm>
-            <a:off x="685800" y="4400550"/>
-            <a:ext cx="5486400" cy="3600600"/>
-          </a:xfrm>
-          <a:prstGeom prst="rect">
-            <a:avLst/>
-          </a:prstGeom>
-        </p:spPr>
-        <p:txBody>
-          <a:bodyPr spcFirstLastPara="1" wrap="square" lIns="91425" tIns="45700" rIns="91425" bIns="45700" anchor="t" anchorCtr="0">
-            <a:noAutofit/>
-          </a:bodyPr>
-          <a:lstStyle/>
-          <a:p>
-            <a:pPr marL="0" lvl="0" indent="0" algn="l" rtl="0">
-              <a:spcBef>
-                <a:spcPts val="0"/>
-              </a:spcBef>
-              <a:spcAft>
-                <a:spcPts val="0"/>
-              </a:spcAft>
-              <a:buNone/>
-            </a:pPr>
-            <a:endParaRPr/>
-          </a:p>
-        </p:txBody>
-      </p:sp>
-      <p:sp>
-        <p:nvSpPr>
-          <p:cNvPr id="100" name="Google Shape;100;g10d8ad6ea2c_0_49:notes"/>
-          <p:cNvSpPr txBox="1">
-            <a:spLocks noGrp="1"/>
-          </p:cNvSpPr>
-          <p:nvPr>
-            <p:ph type="sldNum" idx="12"/>
-          </p:nvPr>
-        </p:nvSpPr>
-        <p:spPr>
-          <a:xfrm>
-            <a:off x="3884613" y="8685213"/>
-            <a:ext cx="2971800" cy="458700"/>
-          </a:xfrm>
-          <a:prstGeom prst="rect">
-            <a:avLst/>
-          </a:prstGeom>
-        </p:spPr>
-        <p:txBody>
-          <a:bodyPr spcFirstLastPara="1" wrap="square" lIns="91425" tIns="45700" rIns="91425" bIns="45700" anchor="b" anchorCtr="0">
-            <a:noAutofit/>
-          </a:bodyPr>
-          <a:lstStyle/>
-          <a:p>
-            <a:pPr marL="0" lvl="0" indent="0" algn="r" rtl="0">
-              <a:spcBef>
-                <a:spcPts val="0"/>
-              </a:spcBef>
-              <a:spcAft>
-                <a:spcPts val="0"/>
-              </a:spcAft>
+              <a:buClr>
+                <a:srgbClr val="000000"/>
+              </a:buClr>
+              <a:buSzPts val="1200"/>
+              <a:buFont typeface="Arial"/>
               <a:buNone/>
             </a:pPr>
             <a:fld id="{00000000-1234-1234-1234-123412341234}" type="slidenum">
@@ -3425,6 +3734,11 @@
         </p:txBody>
       </p:sp>
     </p:spTree>
+    <p:extLst>
+      <p:ext uri="{BB962C8B-B14F-4D97-AF65-F5344CB8AC3E}">
+        <p14:creationId xmlns:p14="http://schemas.microsoft.com/office/powerpoint/2010/main" val="274442738"/>
+      </p:ext>
+    </p:extLst>
   </p:cSld>
   <p:clrMapOvr>
     <a:masterClrMapping/>
@@ -8678,6 +8992,408 @@
   <p:cSld>
     <p:spTree>
       <p:nvGrpSpPr>
+        <p:cNvPr id="1" name="Shape 92"/>
+        <p:cNvGrpSpPr/>
+        <p:nvPr/>
+      </p:nvGrpSpPr>
+      <p:grpSpPr>
+        <a:xfrm>
+          <a:off x="0" y="0"/>
+          <a:ext cx="0" cy="0"/>
+          <a:chOff x="0" y="0"/>
+          <a:chExt cx="0" cy="0"/>
+        </a:xfrm>
+      </p:grpSpPr>
+      <p:sp>
+        <p:nvSpPr>
+          <p:cNvPr id="93" name="Google Shape;93;g10d8ad6ea2c_0_40"/>
+          <p:cNvSpPr txBox="1">
+            <a:spLocks noGrp="1"/>
+          </p:cNvSpPr>
+          <p:nvPr>
+            <p:ph type="sldNum" idx="12"/>
+          </p:nvPr>
+        </p:nvSpPr>
+        <p:spPr>
+          <a:xfrm>
+            <a:off x="6867383" y="6572126"/>
+            <a:ext cx="2057400" cy="365100"/>
+          </a:xfrm>
+          <a:prstGeom prst="rect">
+            <a:avLst/>
+          </a:prstGeom>
+        </p:spPr>
+        <p:txBody>
+          <a:bodyPr spcFirstLastPara="1" wrap="square" lIns="91425" tIns="45700" rIns="91425" bIns="45700" anchor="t" anchorCtr="0">
+            <a:noAutofit/>
+          </a:bodyPr>
+          <a:lstStyle/>
+          <a:p>
+            <a:pPr marL="0" lvl="0" indent="0" algn="r" rtl="0">
+              <a:spcBef>
+                <a:spcPts val="0"/>
+              </a:spcBef>
+              <a:spcAft>
+                <a:spcPts val="0"/>
+              </a:spcAft>
+              <a:buNone/>
+            </a:pPr>
+            <a:fld id="{00000000-1234-1234-1234-123412341234}" type="slidenum">
+              <a:rPr lang="en-US"/>
+              <a:t>10</a:t>
+            </a:fld>
+            <a:endParaRPr/>
+          </a:p>
+        </p:txBody>
+      </p:sp>
+      <p:sp>
+        <p:nvSpPr>
+          <p:cNvPr id="94" name="Google Shape;94;g10d8ad6ea2c_0_40"/>
+          <p:cNvSpPr txBox="1">
+            <a:spLocks noGrp="1"/>
+          </p:cNvSpPr>
+          <p:nvPr>
+            <p:ph type="title"/>
+          </p:nvPr>
+        </p:nvSpPr>
+        <p:spPr>
+          <a:xfrm>
+            <a:off x="235077" y="78613"/>
+            <a:ext cx="8673900" cy="451800"/>
+          </a:xfrm>
+          <a:prstGeom prst="rect">
+            <a:avLst/>
+          </a:prstGeom>
+        </p:spPr>
+        <p:txBody>
+          <a:bodyPr spcFirstLastPara="1" wrap="square" lIns="91425" tIns="45700" rIns="91425" bIns="45700" anchor="t" anchorCtr="0">
+            <a:noAutofit/>
+          </a:bodyPr>
+          <a:lstStyle/>
+          <a:p>
+            <a:pPr marL="0" lvl="0" indent="0" algn="l" rtl="0">
+              <a:spcBef>
+                <a:spcPts val="0"/>
+              </a:spcBef>
+              <a:spcAft>
+                <a:spcPts val="0"/>
+              </a:spcAft>
+              <a:buNone/>
+            </a:pPr>
+            <a:r>
+              <a:rPr lang="en-US">
+                <a:latin typeface="Arial"/>
+                <a:ea typeface="Arial"/>
+                <a:cs typeface="Arial"/>
+                <a:sym typeface="Arial"/>
+              </a:rPr>
+              <a:t>3. Biểu đồ lớp</a:t>
+            </a:r>
+            <a:endParaRPr>
+              <a:latin typeface="Arial"/>
+              <a:ea typeface="Arial"/>
+              <a:cs typeface="Arial"/>
+              <a:sym typeface="Arial"/>
+            </a:endParaRPr>
+          </a:p>
+        </p:txBody>
+      </p:sp>
+      <p:sp>
+        <p:nvSpPr>
+          <p:cNvPr id="95" name="Google Shape;95;g10d8ad6ea2c_0_40"/>
+          <p:cNvSpPr txBox="1">
+            <a:spLocks noGrp="1"/>
+          </p:cNvSpPr>
+          <p:nvPr>
+            <p:ph type="body" idx="1"/>
+          </p:nvPr>
+        </p:nvSpPr>
+        <p:spPr>
+          <a:xfrm>
+            <a:off x="235077" y="841247"/>
+            <a:ext cx="8674200" cy="5303400"/>
+          </a:xfrm>
+          <a:prstGeom prst="rect">
+            <a:avLst/>
+          </a:prstGeom>
+        </p:spPr>
+        <p:txBody>
+          <a:bodyPr spcFirstLastPara="1" wrap="square" lIns="91425" tIns="45700" rIns="91425" bIns="45700" anchor="t" anchorCtr="0">
+            <a:noAutofit/>
+          </a:bodyPr>
+          <a:lstStyle/>
+          <a:p>
+            <a:pPr marL="457200" lvl="0" indent="-406400" algn="l" rtl="0">
+              <a:spcBef>
+                <a:spcPts val="1000"/>
+              </a:spcBef>
+              <a:spcAft>
+                <a:spcPts val="0"/>
+              </a:spcAft>
+              <a:buSzPts val="2800"/>
+              <a:buFont typeface="Times New Roman"/>
+              <a:buChar char="•"/>
+            </a:pPr>
+            <a:r>
+              <a:rPr lang="en-US">
+                <a:latin typeface="Times New Roman"/>
+                <a:ea typeface="Times New Roman"/>
+                <a:cs typeface="Times New Roman"/>
+                <a:sym typeface="Times New Roman"/>
+              </a:rPr>
+              <a:t>Trả xe</a:t>
+            </a:r>
+            <a:endParaRPr>
+              <a:latin typeface="Times New Roman"/>
+              <a:ea typeface="Times New Roman"/>
+              <a:cs typeface="Times New Roman"/>
+              <a:sym typeface="Times New Roman"/>
+            </a:endParaRPr>
+          </a:p>
+        </p:txBody>
+      </p:sp>
+      <p:pic>
+        <p:nvPicPr>
+          <p:cNvPr id="96" name="Google Shape;96;g10d8ad6ea2c_0_40"/>
+          <p:cNvPicPr preferRelativeResize="0"/>
+          <p:nvPr/>
+        </p:nvPicPr>
+        <p:blipFill>
+          <a:blip r:embed="rId3">
+            <a:alphaModFix/>
+          </a:blip>
+          <a:stretch>
+            <a:fillRect/>
+          </a:stretch>
+        </p:blipFill>
+        <p:spPr>
+          <a:xfrm>
+            <a:off x="428238" y="1380300"/>
+            <a:ext cx="8287874" cy="4764350"/>
+          </a:xfrm>
+          <a:prstGeom prst="rect">
+            <a:avLst/>
+          </a:prstGeom>
+          <a:noFill/>
+          <a:ln>
+            <a:noFill/>
+          </a:ln>
+        </p:spPr>
+      </p:pic>
+    </p:spTree>
+  </p:cSld>
+  <p:clrMapOvr>
+    <a:masterClrMapping/>
+  </p:clrMapOvr>
+</p:sld>
+</file>
+
+<file path=ppt/slides/slide11.xml><?xml version="1.0" encoding="utf-8"?>
+<p:sld xmlns:a="http://schemas.openxmlformats.org/drawingml/2006/main" xmlns:r="http://schemas.openxmlformats.org/officeDocument/2006/relationships" xmlns:p="http://schemas.openxmlformats.org/presentationml/2006/main">
+  <p:cSld>
+    <p:spTree>
+      <p:nvGrpSpPr>
+        <p:cNvPr id="1" name="Shape 101"/>
+        <p:cNvGrpSpPr/>
+        <p:nvPr/>
+      </p:nvGrpSpPr>
+      <p:grpSpPr>
+        <a:xfrm>
+          <a:off x="0" y="0"/>
+          <a:ext cx="0" cy="0"/>
+          <a:chOff x="0" y="0"/>
+          <a:chExt cx="0" cy="0"/>
+        </a:xfrm>
+      </p:grpSpPr>
+      <p:sp>
+        <p:nvSpPr>
+          <p:cNvPr id="102" name="Google Shape;102;g10d8ad6ea2c_0_49"/>
+          <p:cNvSpPr txBox="1">
+            <a:spLocks noGrp="1"/>
+          </p:cNvSpPr>
+          <p:nvPr>
+            <p:ph type="sldNum" idx="12"/>
+          </p:nvPr>
+        </p:nvSpPr>
+        <p:spPr>
+          <a:xfrm>
+            <a:off x="6867383" y="6572126"/>
+            <a:ext cx="2057400" cy="365100"/>
+          </a:xfrm>
+          <a:prstGeom prst="rect">
+            <a:avLst/>
+          </a:prstGeom>
+        </p:spPr>
+        <p:txBody>
+          <a:bodyPr spcFirstLastPara="1" wrap="square" lIns="91425" tIns="45700" rIns="91425" bIns="45700" anchor="t" anchorCtr="0">
+            <a:noAutofit/>
+          </a:bodyPr>
+          <a:lstStyle/>
+          <a:p>
+            <a:pPr marL="0" lvl="0" indent="0" algn="r" rtl="0">
+              <a:spcBef>
+                <a:spcPts val="0"/>
+              </a:spcBef>
+              <a:spcAft>
+                <a:spcPts val="0"/>
+              </a:spcAft>
+              <a:buNone/>
+            </a:pPr>
+            <a:fld id="{00000000-1234-1234-1234-123412341234}" type="slidenum">
+              <a:rPr lang="en-US"/>
+              <a:t>11</a:t>
+            </a:fld>
+            <a:endParaRPr/>
+          </a:p>
+        </p:txBody>
+      </p:sp>
+      <p:sp>
+        <p:nvSpPr>
+          <p:cNvPr id="103" name="Google Shape;103;g10d8ad6ea2c_0_49"/>
+          <p:cNvSpPr txBox="1">
+            <a:spLocks noGrp="1"/>
+          </p:cNvSpPr>
+          <p:nvPr>
+            <p:ph type="title"/>
+          </p:nvPr>
+        </p:nvSpPr>
+        <p:spPr>
+          <a:xfrm>
+            <a:off x="235077" y="78613"/>
+            <a:ext cx="8673900" cy="451800"/>
+          </a:xfrm>
+          <a:prstGeom prst="rect">
+            <a:avLst/>
+          </a:prstGeom>
+        </p:spPr>
+        <p:txBody>
+          <a:bodyPr spcFirstLastPara="1" wrap="square" lIns="91425" tIns="45700" rIns="91425" bIns="45700" anchor="t" anchorCtr="0">
+            <a:noAutofit/>
+          </a:bodyPr>
+          <a:lstStyle/>
+          <a:p>
+            <a:pPr marL="0" lvl="0" indent="0" algn="l" rtl="0">
+              <a:spcBef>
+                <a:spcPts val="0"/>
+              </a:spcBef>
+              <a:spcAft>
+                <a:spcPts val="0"/>
+              </a:spcAft>
+              <a:buNone/>
+            </a:pPr>
+            <a:r>
+              <a:rPr lang="en-US">
+                <a:latin typeface="Arial"/>
+                <a:ea typeface="Arial"/>
+                <a:cs typeface="Arial"/>
+                <a:sym typeface="Arial"/>
+              </a:rPr>
+              <a:t>3. Biểu đồ lớp</a:t>
+            </a:r>
+            <a:endParaRPr>
+              <a:latin typeface="Arial"/>
+              <a:ea typeface="Arial"/>
+              <a:cs typeface="Arial"/>
+              <a:sym typeface="Arial"/>
+            </a:endParaRPr>
+          </a:p>
+        </p:txBody>
+      </p:sp>
+      <p:sp>
+        <p:nvSpPr>
+          <p:cNvPr id="104" name="Google Shape;104;g10d8ad6ea2c_0_49"/>
+          <p:cNvSpPr txBox="1">
+            <a:spLocks noGrp="1"/>
+          </p:cNvSpPr>
+          <p:nvPr>
+            <p:ph type="body" idx="1"/>
+          </p:nvPr>
+        </p:nvSpPr>
+        <p:spPr>
+          <a:xfrm>
+            <a:off x="235077" y="841247"/>
+            <a:ext cx="8674200" cy="5303400"/>
+          </a:xfrm>
+          <a:prstGeom prst="rect">
+            <a:avLst/>
+          </a:prstGeom>
+        </p:spPr>
+        <p:txBody>
+          <a:bodyPr spcFirstLastPara="1" wrap="square" lIns="91425" tIns="45700" rIns="91425" bIns="45700" anchor="t" anchorCtr="0">
+            <a:noAutofit/>
+          </a:bodyPr>
+          <a:lstStyle/>
+          <a:p>
+            <a:pPr marL="457200" lvl="0" indent="-406400" algn="l" rtl="0">
+              <a:spcBef>
+                <a:spcPts val="1000"/>
+              </a:spcBef>
+              <a:spcAft>
+                <a:spcPts val="0"/>
+              </a:spcAft>
+              <a:buSzPts val="2800"/>
+              <a:buFont typeface="Times New Roman"/>
+              <a:buChar char="•"/>
+            </a:pPr>
+            <a:r>
+              <a:rPr lang="en-US">
+                <a:latin typeface="Times New Roman"/>
+                <a:ea typeface="Times New Roman"/>
+                <a:cs typeface="Times New Roman"/>
+                <a:sym typeface="Times New Roman"/>
+              </a:rPr>
+              <a:t>Xem thông tin xe</a:t>
+            </a:r>
+            <a:endParaRPr>
+              <a:latin typeface="Times New Roman"/>
+              <a:ea typeface="Times New Roman"/>
+              <a:cs typeface="Times New Roman"/>
+              <a:sym typeface="Times New Roman"/>
+            </a:endParaRPr>
+          </a:p>
+        </p:txBody>
+      </p:sp>
+      <p:pic>
+        <p:nvPicPr>
+          <p:cNvPr id="105" name="Google Shape;105;g10d8ad6ea2c_0_49"/>
+          <p:cNvPicPr preferRelativeResize="0"/>
+          <p:nvPr/>
+        </p:nvPicPr>
+        <p:blipFill>
+          <a:blip r:embed="rId3">
+            <a:alphaModFix/>
+          </a:blip>
+          <a:stretch>
+            <a:fillRect/>
+          </a:stretch>
+        </p:blipFill>
+        <p:spPr>
+          <a:xfrm>
+            <a:off x="1226125" y="1347350"/>
+            <a:ext cx="6691761" cy="4797300"/>
+          </a:xfrm>
+          <a:prstGeom prst="rect">
+            <a:avLst/>
+          </a:prstGeom>
+          <a:noFill/>
+          <a:ln>
+            <a:noFill/>
+          </a:ln>
+        </p:spPr>
+      </p:pic>
+    </p:spTree>
+  </p:cSld>
+  <p:clrMapOvr>
+    <a:masterClrMapping/>
+  </p:clrMapOvr>
+</p:sld>
+</file>
+
+<file path=ppt/slides/slide12.xml><?xml version="1.0" encoding="utf-8"?>
+<p:sld xmlns:a="http://schemas.openxmlformats.org/drawingml/2006/main" xmlns:r="http://schemas.openxmlformats.org/officeDocument/2006/relationships" xmlns:p="http://schemas.openxmlformats.org/presentationml/2006/main">
+  <p:cSld>
+    <p:spTree>
+      <p:nvGrpSpPr>
         <p:cNvPr id="1" name="Shape 110"/>
         <p:cNvGrpSpPr/>
         <p:nvPr/>
@@ -8731,7 +9447,7 @@
             </a:pPr>
             <a:fld id="{00000000-1234-1234-1234-123412341234}" type="slidenum">
               <a:rPr lang="en-US"/>
-              <a:t>10</a:t>
+              <a:t>12</a:t>
             </a:fld>
             <a:endParaRPr/>
           </a:p>
@@ -9053,7 +9769,7 @@
 </p:sld>
 </file>
 
-<file path=ppt/slides/slide11.xml><?xml version="1.0" encoding="utf-8"?>
+<file path=ppt/slides/slide13.xml><?xml version="1.0" encoding="utf-8"?>
 <p:sld xmlns:a="http://schemas.openxmlformats.org/drawingml/2006/main" xmlns:r="http://schemas.openxmlformats.org/officeDocument/2006/relationships" xmlns:p="http://schemas.openxmlformats.org/presentationml/2006/main">
   <p:cSld>
     <p:spTree>
@@ -9106,7 +9822,7 @@
             </a:pPr>
             <a:fld id="{00000000-1234-1234-1234-123412341234}" type="slidenum">
               <a:rPr lang="en-US"/>
-              <a:t>11</a:t>
+              <a:t>13</a:t>
             </a:fld>
             <a:endParaRPr/>
           </a:p>
@@ -9503,7 +10219,7 @@
 </p:sld>
 </file>
 
-<file path=ppt/slides/slide12.xml><?xml version="1.0" encoding="utf-8"?>
+<file path=ppt/slides/slide14.xml><?xml version="1.0" encoding="utf-8"?>
 <p:sld xmlns:a="http://schemas.openxmlformats.org/drawingml/2006/main" xmlns:r="http://schemas.openxmlformats.org/officeDocument/2006/relationships" xmlns:p="http://schemas.openxmlformats.org/presentationml/2006/main">
   <p:cSld>
     <p:spTree>
@@ -9564,7 +10280,7 @@
             </a:pPr>
             <a:fld id="{00000000-1234-1234-1234-123412341234}" type="slidenum">
               <a:rPr lang="en-US"/>
-              <a:t>12</a:t>
+              <a:t>14</a:t>
             </a:fld>
             <a:endParaRPr/>
           </a:p>
@@ -10951,6 +11667,259 @@
               <a:buChar char="●"/>
             </a:pPr>
             <a:r>
+              <a:rPr lang="en-US" dirty="0" err="1">
+                <a:latin typeface="Times New Roman"/>
+                <a:ea typeface="Times New Roman"/>
+                <a:cs typeface="Times New Roman"/>
+                <a:sym typeface="Times New Roman"/>
+              </a:rPr>
+              <a:t>Xem</a:t>
+            </a:r>
+            <a:r>
+              <a:rPr lang="en-US" dirty="0">
+                <a:latin typeface="Times New Roman"/>
+                <a:ea typeface="Times New Roman"/>
+                <a:cs typeface="Times New Roman"/>
+                <a:sym typeface="Times New Roman"/>
+              </a:rPr>
+              <a:t> </a:t>
+            </a:r>
+            <a:r>
+              <a:rPr lang="en-US" dirty="0" err="1">
+                <a:latin typeface="Times New Roman"/>
+                <a:ea typeface="Times New Roman"/>
+                <a:cs typeface="Times New Roman"/>
+                <a:sym typeface="Times New Roman"/>
+              </a:rPr>
+              <a:t>bãi</a:t>
+            </a:r>
+            <a:r>
+              <a:rPr lang="en-US" dirty="0">
+                <a:latin typeface="Times New Roman"/>
+                <a:ea typeface="Times New Roman"/>
+                <a:cs typeface="Times New Roman"/>
+                <a:sym typeface="Times New Roman"/>
+              </a:rPr>
+              <a:t> </a:t>
+            </a:r>
+            <a:r>
+              <a:rPr lang="en-US" dirty="0" err="1">
+                <a:latin typeface="Times New Roman"/>
+                <a:ea typeface="Times New Roman"/>
+                <a:cs typeface="Times New Roman"/>
+                <a:sym typeface="Times New Roman"/>
+              </a:rPr>
+              <a:t>xe</a:t>
+            </a:r>
+            <a:r>
+              <a:rPr lang="en-US" dirty="0">
+                <a:latin typeface="Times New Roman"/>
+                <a:ea typeface="Times New Roman"/>
+                <a:cs typeface="Times New Roman"/>
+                <a:sym typeface="Times New Roman"/>
+              </a:rPr>
+              <a:t>:</a:t>
+            </a:r>
+            <a:endParaRPr dirty="0">
+              <a:latin typeface="Times New Roman"/>
+              <a:ea typeface="Times New Roman"/>
+              <a:cs typeface="Times New Roman"/>
+              <a:sym typeface="Times New Roman"/>
+            </a:endParaRPr>
+          </a:p>
+        </p:txBody>
+      </p:sp>
+      <p:pic>
+        <p:nvPicPr>
+          <p:cNvPr id="3" name="Picture 2" descr="Diagram&#10;&#10;Description automatically generated">
+            <a:extLst>
+              <a:ext uri="{FF2B5EF4-FFF2-40B4-BE49-F238E27FC236}">
+                <a16:creationId xmlns:a16="http://schemas.microsoft.com/office/drawing/2014/main" id="{46F775A9-DD04-4145-B43D-12D7F67CEDBC}"/>
+              </a:ext>
+            </a:extLst>
+          </p:cNvPr>
+          <p:cNvPicPr>
+            <a:picLocks noChangeAspect="1"/>
+          </p:cNvPicPr>
+          <p:nvPr/>
+        </p:nvPicPr>
+        <p:blipFill>
+          <a:blip r:embed="rId3"/>
+          <a:stretch>
+            <a:fillRect/>
+          </a:stretch>
+        </p:blipFill>
+        <p:spPr>
+          <a:xfrm>
+            <a:off x="1448311" y="1469331"/>
+            <a:ext cx="5850562" cy="4412485"/>
+          </a:xfrm>
+          <a:prstGeom prst="rect">
+            <a:avLst/>
+          </a:prstGeom>
+        </p:spPr>
+      </p:pic>
+    </p:spTree>
+  </p:cSld>
+  <p:clrMapOvr>
+    <a:masterClrMapping/>
+  </p:clrMapOvr>
+</p:sld>
+</file>
+
+<file path=ppt/slides/slide5.xml><?xml version="1.0" encoding="utf-8"?>
+<p:sld xmlns:a="http://schemas.openxmlformats.org/drawingml/2006/main" xmlns:r="http://schemas.openxmlformats.org/officeDocument/2006/relationships" xmlns:p="http://schemas.openxmlformats.org/presentationml/2006/main">
+  <p:cSld>
+    <p:spTree>
+      <p:nvGrpSpPr>
+        <p:cNvPr id="1" name="Shape 56"/>
+        <p:cNvGrpSpPr/>
+        <p:nvPr/>
+      </p:nvGrpSpPr>
+      <p:grpSpPr>
+        <a:xfrm>
+          <a:off x="0" y="0"/>
+          <a:ext cx="0" cy="0"/>
+          <a:chOff x="0" y="0"/>
+          <a:chExt cx="0" cy="0"/>
+        </a:xfrm>
+      </p:grpSpPr>
+      <p:sp>
+        <p:nvSpPr>
+          <p:cNvPr id="57" name="Google Shape;57;g10d8ad6ea2c_0_8"/>
+          <p:cNvSpPr txBox="1">
+            <a:spLocks noGrp="1"/>
+          </p:cNvSpPr>
+          <p:nvPr>
+            <p:ph type="sldNum" idx="12"/>
+          </p:nvPr>
+        </p:nvSpPr>
+        <p:spPr>
+          <a:xfrm>
+            <a:off x="6867383" y="6572126"/>
+            <a:ext cx="2057400" cy="365100"/>
+          </a:xfrm>
+          <a:prstGeom prst="rect">
+            <a:avLst/>
+          </a:prstGeom>
+        </p:spPr>
+        <p:txBody>
+          <a:bodyPr spcFirstLastPara="1" wrap="square" lIns="91425" tIns="45700" rIns="91425" bIns="45700" anchor="t" anchorCtr="0">
+            <a:noAutofit/>
+          </a:bodyPr>
+          <a:lstStyle/>
+          <a:p>
+            <a:pPr marL="0" lvl="0" indent="0" algn="r" rtl="0">
+              <a:spcBef>
+                <a:spcPts val="0"/>
+              </a:spcBef>
+              <a:spcAft>
+                <a:spcPts val="0"/>
+              </a:spcAft>
+              <a:buClr>
+                <a:srgbClr val="000000"/>
+              </a:buClr>
+              <a:buSzPts val="1200"/>
+              <a:buFont typeface="Arial"/>
+              <a:buNone/>
+            </a:pPr>
+            <a:fld id="{00000000-1234-1234-1234-123412341234}" type="slidenum">
+              <a:rPr lang="en-US"/>
+              <a:t>5</a:t>
+            </a:fld>
+            <a:endParaRPr/>
+          </a:p>
+        </p:txBody>
+      </p:sp>
+      <p:sp>
+        <p:nvSpPr>
+          <p:cNvPr id="58" name="Google Shape;58;g10d8ad6ea2c_0_8"/>
+          <p:cNvSpPr txBox="1">
+            <a:spLocks noGrp="1"/>
+          </p:cNvSpPr>
+          <p:nvPr>
+            <p:ph type="title"/>
+          </p:nvPr>
+        </p:nvSpPr>
+        <p:spPr>
+          <a:xfrm>
+            <a:off x="235077" y="78613"/>
+            <a:ext cx="8673900" cy="451800"/>
+          </a:xfrm>
+          <a:prstGeom prst="rect">
+            <a:avLst/>
+          </a:prstGeom>
+        </p:spPr>
+        <p:txBody>
+          <a:bodyPr spcFirstLastPara="1" wrap="square" lIns="91425" tIns="45700" rIns="91425" bIns="45700" anchor="t" anchorCtr="0">
+            <a:noAutofit/>
+          </a:bodyPr>
+          <a:lstStyle/>
+          <a:p>
+            <a:pPr marL="0" lvl="0" indent="0" algn="l" rtl="0">
+              <a:spcBef>
+                <a:spcPts val="0"/>
+              </a:spcBef>
+              <a:spcAft>
+                <a:spcPts val="0"/>
+              </a:spcAft>
+              <a:buNone/>
+            </a:pPr>
+            <a:r>
+              <a:rPr lang="en-US">
+                <a:latin typeface="Arial"/>
+                <a:ea typeface="Arial"/>
+                <a:cs typeface="Arial"/>
+                <a:sym typeface="Arial"/>
+              </a:rPr>
+              <a:t>2. Biểu đồ tương tác</a:t>
+            </a:r>
+            <a:endParaRPr>
+              <a:latin typeface="Arial"/>
+              <a:ea typeface="Arial"/>
+              <a:cs typeface="Arial"/>
+              <a:sym typeface="Arial"/>
+            </a:endParaRPr>
+          </a:p>
+        </p:txBody>
+      </p:sp>
+      <p:sp>
+        <p:nvSpPr>
+          <p:cNvPr id="59" name="Google Shape;59;g10d8ad6ea2c_0_8"/>
+          <p:cNvSpPr txBox="1">
+            <a:spLocks noGrp="1"/>
+          </p:cNvSpPr>
+          <p:nvPr>
+            <p:ph type="body" idx="1"/>
+          </p:nvPr>
+        </p:nvSpPr>
+        <p:spPr>
+          <a:xfrm>
+            <a:off x="235077" y="841247"/>
+            <a:ext cx="8674200" cy="5303400"/>
+          </a:xfrm>
+          <a:prstGeom prst="rect">
+            <a:avLst/>
+          </a:prstGeom>
+        </p:spPr>
+        <p:txBody>
+          <a:bodyPr spcFirstLastPara="1" wrap="square" lIns="91425" tIns="45700" rIns="91425" bIns="45700" anchor="t" anchorCtr="0">
+            <a:noAutofit/>
+          </a:bodyPr>
+          <a:lstStyle/>
+          <a:p>
+            <a:pPr marL="457200" lvl="0" indent="-406400" algn="l" rtl="0">
+              <a:spcBef>
+                <a:spcPts val="1000"/>
+              </a:spcBef>
+              <a:spcAft>
+                <a:spcPts val="0"/>
+              </a:spcAft>
+              <a:buSzPts val="2800"/>
+              <a:buFont typeface="Times New Roman"/>
+              <a:buChar char="●"/>
+            </a:pPr>
+            <a:r>
               <a:rPr lang="en-US">
                 <a:latin typeface="Times New Roman"/>
                 <a:ea typeface="Times New Roman"/>
@@ -10997,6 +11966,11 @@
         </p:spPr>
       </p:pic>
     </p:spTree>
+    <p:extLst>
+      <p:ext uri="{BB962C8B-B14F-4D97-AF65-F5344CB8AC3E}">
+        <p14:creationId xmlns:p14="http://schemas.microsoft.com/office/powerpoint/2010/main" val="2166830149"/>
+      </p:ext>
+    </p:extLst>
   </p:cSld>
   <p:clrMapOvr>
     <a:masterClrMapping/>
@@ -11004,7 +11978,7 @@
 </p:sld>
 </file>
 
-<file path=ppt/slides/slide5.xml><?xml version="1.0" encoding="utf-8"?>
+<file path=ppt/slides/slide6.xml><?xml version="1.0" encoding="utf-8"?>
 <p:sld xmlns:a="http://schemas.openxmlformats.org/drawingml/2006/main" xmlns:r="http://schemas.openxmlformats.org/officeDocument/2006/relationships" xmlns:p="http://schemas.openxmlformats.org/presentationml/2006/main">
   <p:cSld>
     <p:spTree>
@@ -11057,7 +12031,7 @@
             </a:pPr>
             <a:fld id="{00000000-1234-1234-1234-123412341234}" type="slidenum">
               <a:rPr lang="en-US"/>
-              <a:t>5</a:t>
+              <a:t>6</a:t>
             </a:fld>
             <a:endParaRPr/>
           </a:p>
@@ -11205,7 +12179,7 @@
 </p:sld>
 </file>
 
-<file path=ppt/slides/slide6.xml><?xml version="1.0" encoding="utf-8"?>
+<file path=ppt/slides/slide7.xml><?xml version="1.0" encoding="utf-8"?>
 <p:sld xmlns:a="http://schemas.openxmlformats.org/drawingml/2006/main" xmlns:r="http://schemas.openxmlformats.org/officeDocument/2006/relationships" xmlns:p="http://schemas.openxmlformats.org/presentationml/2006/main">
   <p:cSld>
     <p:spTree>
@@ -11258,7 +12232,7 @@
             </a:pPr>
             <a:fld id="{00000000-1234-1234-1234-123412341234}" type="slidenum">
               <a:rPr lang="en-US"/>
-              <a:t>6</a:t>
+              <a:t>7</a:t>
             </a:fld>
             <a:endParaRPr/>
           </a:p>
@@ -11406,7 +12380,7 @@
 </p:sld>
 </file>
 
-<file path=ppt/slides/slide7.xml><?xml version="1.0" encoding="utf-8"?>
+<file path=ppt/slides/slide8.xml><?xml version="1.0" encoding="utf-8"?>
 <p:sld xmlns:a="http://schemas.openxmlformats.org/drawingml/2006/main" xmlns:r="http://schemas.openxmlformats.org/officeDocument/2006/relationships" xmlns:p="http://schemas.openxmlformats.org/presentationml/2006/main">
   <p:cSld>
     <p:spTree>
@@ -11463,8 +12437,210 @@
               <a:buNone/>
             </a:pPr>
             <a:fld id="{00000000-1234-1234-1234-123412341234}" type="slidenum">
+              <a:rPr lang="en-US" smtClean="0"/>
+              <a:t>8</a:t>
+            </a:fld>
+            <a:endParaRPr lang="en-US"/>
+          </a:p>
+        </p:txBody>
+      </p:sp>
+      <p:sp>
+        <p:nvSpPr>
+          <p:cNvPr id="85" name="Google Shape;85;g10d8ad6ea2c_0_32"/>
+          <p:cNvSpPr txBox="1">
+            <a:spLocks noGrp="1"/>
+          </p:cNvSpPr>
+          <p:nvPr>
+            <p:ph type="title"/>
+          </p:nvPr>
+        </p:nvSpPr>
+        <p:spPr>
+          <a:xfrm>
+            <a:off x="235077" y="78613"/>
+            <a:ext cx="8673900" cy="451800"/>
+          </a:xfrm>
+          <a:prstGeom prst="rect">
+            <a:avLst/>
+          </a:prstGeom>
+        </p:spPr>
+        <p:txBody>
+          <a:bodyPr spcFirstLastPara="1" wrap="square" lIns="91425" tIns="45700" rIns="91425" bIns="45700" anchor="t" anchorCtr="0">
+            <a:noAutofit/>
+          </a:bodyPr>
+          <a:lstStyle/>
+          <a:p>
+            <a:pPr marL="0" lvl="0" indent="0" algn="l" rtl="0">
+              <a:spcBef>
+                <a:spcPts val="0"/>
+              </a:spcBef>
+              <a:spcAft>
+                <a:spcPts val="0"/>
+              </a:spcAft>
+              <a:buNone/>
+            </a:pPr>
+            <a:r>
+              <a:rPr lang="en-US">
+                <a:latin typeface="Arial"/>
+                <a:ea typeface="Arial"/>
+                <a:cs typeface="Arial"/>
+                <a:sym typeface="Arial"/>
+              </a:rPr>
+              <a:t>3. Biểu đồ lớp</a:t>
+            </a:r>
+          </a:p>
+        </p:txBody>
+      </p:sp>
+      <p:sp>
+        <p:nvSpPr>
+          <p:cNvPr id="86" name="Google Shape;86;g10d8ad6ea2c_0_32"/>
+          <p:cNvSpPr txBox="1">
+            <a:spLocks noGrp="1"/>
+          </p:cNvSpPr>
+          <p:nvPr>
+            <p:ph type="body" idx="1"/>
+          </p:nvPr>
+        </p:nvSpPr>
+        <p:spPr>
+          <a:xfrm>
+            <a:off x="235077" y="841247"/>
+            <a:ext cx="8674200" cy="5303400"/>
+          </a:xfrm>
+          <a:prstGeom prst="rect">
+            <a:avLst/>
+          </a:prstGeom>
+        </p:spPr>
+        <p:txBody>
+          <a:bodyPr spcFirstLastPara="1" wrap="square" lIns="91425" tIns="45700" rIns="91425" bIns="45700" anchor="t" anchorCtr="0">
+            <a:noAutofit/>
+          </a:bodyPr>
+          <a:lstStyle/>
+          <a:p>
+            <a:pPr marL="457200" lvl="0" indent="-406400" algn="l" rtl="0">
+              <a:spcBef>
+                <a:spcPts val="1000"/>
+              </a:spcBef>
+              <a:spcAft>
+                <a:spcPts val="0"/>
+              </a:spcAft>
+              <a:buSzPts val="2800"/>
+              <a:buFont typeface="Times New Roman"/>
+              <a:buChar char="•"/>
+            </a:pPr>
+            <a:r>
+              <a:rPr lang="en-US">
+                <a:latin typeface="Times New Roman"/>
+                <a:ea typeface="Times New Roman"/>
+                <a:cs typeface="Times New Roman"/>
+                <a:sym typeface="Times New Roman"/>
+              </a:rPr>
+              <a:t>Xem bãi xe</a:t>
+            </a:r>
+            <a:endParaRPr lang="en-US" dirty="0">
+              <a:latin typeface="Times New Roman"/>
+              <a:ea typeface="Times New Roman"/>
+              <a:cs typeface="Times New Roman"/>
+              <a:sym typeface="Times New Roman"/>
+            </a:endParaRPr>
+          </a:p>
+        </p:txBody>
+      </p:sp>
+      <p:pic>
+        <p:nvPicPr>
+          <p:cNvPr id="3" name="Picture 2">
+            <a:extLst>
+              <a:ext uri="{FF2B5EF4-FFF2-40B4-BE49-F238E27FC236}">
+                <a16:creationId xmlns:a16="http://schemas.microsoft.com/office/drawing/2014/main" id="{BD0E7181-0C8B-804C-B43A-F61E6B982CEA}"/>
+              </a:ext>
+            </a:extLst>
+          </p:cNvPr>
+          <p:cNvPicPr>
+            <a:picLocks noChangeAspect="1"/>
+          </p:cNvPicPr>
+          <p:nvPr/>
+        </p:nvPicPr>
+        <p:blipFill>
+          <a:blip r:embed="rId3"/>
+          <a:stretch>
+            <a:fillRect/>
+          </a:stretch>
+        </p:blipFill>
+        <p:spPr>
+          <a:xfrm>
+            <a:off x="1223319" y="1568914"/>
+            <a:ext cx="6475533" cy="3720172"/>
+          </a:xfrm>
+          <a:prstGeom prst="rect">
+            <a:avLst/>
+          </a:prstGeom>
+        </p:spPr>
+      </p:pic>
+    </p:spTree>
+  </p:cSld>
+  <p:clrMapOvr>
+    <a:masterClrMapping/>
+  </p:clrMapOvr>
+</p:sld>
+</file>
+
+<file path=ppt/slides/slide9.xml><?xml version="1.0" encoding="utf-8"?>
+<p:sld xmlns:a="http://schemas.openxmlformats.org/drawingml/2006/main" xmlns:r="http://schemas.openxmlformats.org/officeDocument/2006/relationships" xmlns:p="http://schemas.openxmlformats.org/presentationml/2006/main">
+  <p:cSld>
+    <p:spTree>
+      <p:nvGrpSpPr>
+        <p:cNvPr id="1" name="Shape 83"/>
+        <p:cNvGrpSpPr/>
+        <p:nvPr/>
+      </p:nvGrpSpPr>
+      <p:grpSpPr>
+        <a:xfrm>
+          <a:off x="0" y="0"/>
+          <a:ext cx="0" cy="0"/>
+          <a:chOff x="0" y="0"/>
+          <a:chExt cx="0" cy="0"/>
+        </a:xfrm>
+      </p:grpSpPr>
+      <p:sp>
+        <p:nvSpPr>
+          <p:cNvPr id="84" name="Google Shape;84;g10d8ad6ea2c_0_32"/>
+          <p:cNvSpPr txBox="1">
+            <a:spLocks noGrp="1"/>
+          </p:cNvSpPr>
+          <p:nvPr>
+            <p:ph type="sldNum" idx="12"/>
+          </p:nvPr>
+        </p:nvSpPr>
+        <p:spPr>
+          <a:xfrm>
+            <a:off x="6867383" y="6572126"/>
+            <a:ext cx="2057400" cy="365100"/>
+          </a:xfrm>
+          <a:prstGeom prst="rect">
+            <a:avLst/>
+          </a:prstGeom>
+        </p:spPr>
+        <p:txBody>
+          <a:bodyPr spcFirstLastPara="1" wrap="square" lIns="91425" tIns="45700" rIns="91425" bIns="45700" anchor="t" anchorCtr="0">
+            <a:noAutofit/>
+          </a:bodyPr>
+          <a:lstStyle/>
+          <a:p>
+            <a:pPr marL="0" lvl="0" indent="0" algn="r" rtl="0">
+              <a:spcBef>
+                <a:spcPts val="0"/>
+              </a:spcBef>
+              <a:spcAft>
+                <a:spcPts val="0"/>
+              </a:spcAft>
+              <a:buClr>
+                <a:srgbClr val="000000"/>
+              </a:buClr>
+              <a:buSzPts val="1200"/>
+              <a:buFont typeface="Arial"/>
+              <a:buNone/>
+            </a:pPr>
+            <a:fld id="{00000000-1234-1234-1234-123412341234}" type="slidenum">
               <a:rPr lang="en-US"/>
-              <a:t>7</a:t>
+              <a:t>9</a:t>
             </a:fld>
             <a:endParaRPr/>
           </a:p>
@@ -11605,408 +12781,11 @@
         </p:spPr>
       </p:pic>
     </p:spTree>
-  </p:cSld>
-  <p:clrMapOvr>
-    <a:masterClrMapping/>
-  </p:clrMapOvr>
-</p:sld>
-</file>
-
-<file path=ppt/slides/slide8.xml><?xml version="1.0" encoding="utf-8"?>
-<p:sld xmlns:a="http://schemas.openxmlformats.org/drawingml/2006/main" xmlns:r="http://schemas.openxmlformats.org/officeDocument/2006/relationships" xmlns:p="http://schemas.openxmlformats.org/presentationml/2006/main">
-  <p:cSld>
-    <p:spTree>
-      <p:nvGrpSpPr>
-        <p:cNvPr id="1" name="Shape 92"/>
-        <p:cNvGrpSpPr/>
-        <p:nvPr/>
-      </p:nvGrpSpPr>
-      <p:grpSpPr>
-        <a:xfrm>
-          <a:off x="0" y="0"/>
-          <a:ext cx="0" cy="0"/>
-          <a:chOff x="0" y="0"/>
-          <a:chExt cx="0" cy="0"/>
-        </a:xfrm>
-      </p:grpSpPr>
-      <p:sp>
-        <p:nvSpPr>
-          <p:cNvPr id="93" name="Google Shape;93;g10d8ad6ea2c_0_40"/>
-          <p:cNvSpPr txBox="1">
-            <a:spLocks noGrp="1"/>
-          </p:cNvSpPr>
-          <p:nvPr>
-            <p:ph type="sldNum" idx="12"/>
-          </p:nvPr>
-        </p:nvSpPr>
-        <p:spPr>
-          <a:xfrm>
-            <a:off x="6867383" y="6572126"/>
-            <a:ext cx="2057400" cy="365100"/>
-          </a:xfrm>
-          <a:prstGeom prst="rect">
-            <a:avLst/>
-          </a:prstGeom>
-        </p:spPr>
-        <p:txBody>
-          <a:bodyPr spcFirstLastPara="1" wrap="square" lIns="91425" tIns="45700" rIns="91425" bIns="45700" anchor="t" anchorCtr="0">
-            <a:noAutofit/>
-          </a:bodyPr>
-          <a:lstStyle/>
-          <a:p>
-            <a:pPr marL="0" lvl="0" indent="0" algn="r" rtl="0">
-              <a:spcBef>
-                <a:spcPts val="0"/>
-              </a:spcBef>
-              <a:spcAft>
-                <a:spcPts val="0"/>
-              </a:spcAft>
-              <a:buNone/>
-            </a:pPr>
-            <a:fld id="{00000000-1234-1234-1234-123412341234}" type="slidenum">
-              <a:rPr lang="en-US"/>
-              <a:t>8</a:t>
-            </a:fld>
-            <a:endParaRPr/>
-          </a:p>
-        </p:txBody>
-      </p:sp>
-      <p:sp>
-        <p:nvSpPr>
-          <p:cNvPr id="94" name="Google Shape;94;g10d8ad6ea2c_0_40"/>
-          <p:cNvSpPr txBox="1">
-            <a:spLocks noGrp="1"/>
-          </p:cNvSpPr>
-          <p:nvPr>
-            <p:ph type="title"/>
-          </p:nvPr>
-        </p:nvSpPr>
-        <p:spPr>
-          <a:xfrm>
-            <a:off x="235077" y="78613"/>
-            <a:ext cx="8673900" cy="451800"/>
-          </a:xfrm>
-          <a:prstGeom prst="rect">
-            <a:avLst/>
-          </a:prstGeom>
-        </p:spPr>
-        <p:txBody>
-          <a:bodyPr spcFirstLastPara="1" wrap="square" lIns="91425" tIns="45700" rIns="91425" bIns="45700" anchor="t" anchorCtr="0">
-            <a:noAutofit/>
-          </a:bodyPr>
-          <a:lstStyle/>
-          <a:p>
-            <a:pPr marL="0" lvl="0" indent="0" algn="l" rtl="0">
-              <a:spcBef>
-                <a:spcPts val="0"/>
-              </a:spcBef>
-              <a:spcAft>
-                <a:spcPts val="0"/>
-              </a:spcAft>
-              <a:buNone/>
-            </a:pPr>
-            <a:r>
-              <a:rPr lang="en-US">
-                <a:latin typeface="Arial"/>
-                <a:ea typeface="Arial"/>
-                <a:cs typeface="Arial"/>
-                <a:sym typeface="Arial"/>
-              </a:rPr>
-              <a:t>3. Biểu đồ lớp</a:t>
-            </a:r>
-            <a:endParaRPr>
-              <a:latin typeface="Arial"/>
-              <a:ea typeface="Arial"/>
-              <a:cs typeface="Arial"/>
-              <a:sym typeface="Arial"/>
-            </a:endParaRPr>
-          </a:p>
-        </p:txBody>
-      </p:sp>
-      <p:sp>
-        <p:nvSpPr>
-          <p:cNvPr id="95" name="Google Shape;95;g10d8ad6ea2c_0_40"/>
-          <p:cNvSpPr txBox="1">
-            <a:spLocks noGrp="1"/>
-          </p:cNvSpPr>
-          <p:nvPr>
-            <p:ph type="body" idx="1"/>
-          </p:nvPr>
-        </p:nvSpPr>
-        <p:spPr>
-          <a:xfrm>
-            <a:off x="235077" y="841247"/>
-            <a:ext cx="8674200" cy="5303400"/>
-          </a:xfrm>
-          <a:prstGeom prst="rect">
-            <a:avLst/>
-          </a:prstGeom>
-        </p:spPr>
-        <p:txBody>
-          <a:bodyPr spcFirstLastPara="1" wrap="square" lIns="91425" tIns="45700" rIns="91425" bIns="45700" anchor="t" anchorCtr="0">
-            <a:noAutofit/>
-          </a:bodyPr>
-          <a:lstStyle/>
-          <a:p>
-            <a:pPr marL="457200" lvl="0" indent="-406400" algn="l" rtl="0">
-              <a:spcBef>
-                <a:spcPts val="1000"/>
-              </a:spcBef>
-              <a:spcAft>
-                <a:spcPts val="0"/>
-              </a:spcAft>
-              <a:buSzPts val="2800"/>
-              <a:buFont typeface="Times New Roman"/>
-              <a:buChar char="•"/>
-            </a:pPr>
-            <a:r>
-              <a:rPr lang="en-US">
-                <a:latin typeface="Times New Roman"/>
-                <a:ea typeface="Times New Roman"/>
-                <a:cs typeface="Times New Roman"/>
-                <a:sym typeface="Times New Roman"/>
-              </a:rPr>
-              <a:t>Trả xe</a:t>
-            </a:r>
-            <a:endParaRPr>
-              <a:latin typeface="Times New Roman"/>
-              <a:ea typeface="Times New Roman"/>
-              <a:cs typeface="Times New Roman"/>
-              <a:sym typeface="Times New Roman"/>
-            </a:endParaRPr>
-          </a:p>
-        </p:txBody>
-      </p:sp>
-      <p:pic>
-        <p:nvPicPr>
-          <p:cNvPr id="96" name="Google Shape;96;g10d8ad6ea2c_0_40"/>
-          <p:cNvPicPr preferRelativeResize="0"/>
-          <p:nvPr/>
-        </p:nvPicPr>
-        <p:blipFill>
-          <a:blip r:embed="rId3">
-            <a:alphaModFix/>
-          </a:blip>
-          <a:stretch>
-            <a:fillRect/>
-          </a:stretch>
-        </p:blipFill>
-        <p:spPr>
-          <a:xfrm>
-            <a:off x="428238" y="1380300"/>
-            <a:ext cx="8287874" cy="4764350"/>
-          </a:xfrm>
-          <a:prstGeom prst="rect">
-            <a:avLst/>
-          </a:prstGeom>
-          <a:noFill/>
-          <a:ln>
-            <a:noFill/>
-          </a:ln>
-        </p:spPr>
-      </p:pic>
-    </p:spTree>
-  </p:cSld>
-  <p:clrMapOvr>
-    <a:masterClrMapping/>
-  </p:clrMapOvr>
-</p:sld>
-</file>
-
-<file path=ppt/slides/slide9.xml><?xml version="1.0" encoding="utf-8"?>
-<p:sld xmlns:a="http://schemas.openxmlformats.org/drawingml/2006/main" xmlns:r="http://schemas.openxmlformats.org/officeDocument/2006/relationships" xmlns:p="http://schemas.openxmlformats.org/presentationml/2006/main">
-  <p:cSld>
-    <p:spTree>
-      <p:nvGrpSpPr>
-        <p:cNvPr id="1" name="Shape 101"/>
-        <p:cNvGrpSpPr/>
-        <p:nvPr/>
-      </p:nvGrpSpPr>
-      <p:grpSpPr>
-        <a:xfrm>
-          <a:off x="0" y="0"/>
-          <a:ext cx="0" cy="0"/>
-          <a:chOff x="0" y="0"/>
-          <a:chExt cx="0" cy="0"/>
-        </a:xfrm>
-      </p:grpSpPr>
-      <p:sp>
-        <p:nvSpPr>
-          <p:cNvPr id="102" name="Google Shape;102;g10d8ad6ea2c_0_49"/>
-          <p:cNvSpPr txBox="1">
-            <a:spLocks noGrp="1"/>
-          </p:cNvSpPr>
-          <p:nvPr>
-            <p:ph type="sldNum" idx="12"/>
-          </p:nvPr>
-        </p:nvSpPr>
-        <p:spPr>
-          <a:xfrm>
-            <a:off x="6867383" y="6572126"/>
-            <a:ext cx="2057400" cy="365100"/>
-          </a:xfrm>
-          <a:prstGeom prst="rect">
-            <a:avLst/>
-          </a:prstGeom>
-        </p:spPr>
-        <p:txBody>
-          <a:bodyPr spcFirstLastPara="1" wrap="square" lIns="91425" tIns="45700" rIns="91425" bIns="45700" anchor="t" anchorCtr="0">
-            <a:noAutofit/>
-          </a:bodyPr>
-          <a:lstStyle/>
-          <a:p>
-            <a:pPr marL="0" lvl="0" indent="0" algn="r" rtl="0">
-              <a:spcBef>
-                <a:spcPts val="0"/>
-              </a:spcBef>
-              <a:spcAft>
-                <a:spcPts val="0"/>
-              </a:spcAft>
-              <a:buNone/>
-            </a:pPr>
-            <a:fld id="{00000000-1234-1234-1234-123412341234}" type="slidenum">
-              <a:rPr lang="en-US"/>
-              <a:t>9</a:t>
-            </a:fld>
-            <a:endParaRPr/>
-          </a:p>
-        </p:txBody>
-      </p:sp>
-      <p:sp>
-        <p:nvSpPr>
-          <p:cNvPr id="103" name="Google Shape;103;g10d8ad6ea2c_0_49"/>
-          <p:cNvSpPr txBox="1">
-            <a:spLocks noGrp="1"/>
-          </p:cNvSpPr>
-          <p:nvPr>
-            <p:ph type="title"/>
-          </p:nvPr>
-        </p:nvSpPr>
-        <p:spPr>
-          <a:xfrm>
-            <a:off x="235077" y="78613"/>
-            <a:ext cx="8673900" cy="451800"/>
-          </a:xfrm>
-          <a:prstGeom prst="rect">
-            <a:avLst/>
-          </a:prstGeom>
-        </p:spPr>
-        <p:txBody>
-          <a:bodyPr spcFirstLastPara="1" wrap="square" lIns="91425" tIns="45700" rIns="91425" bIns="45700" anchor="t" anchorCtr="0">
-            <a:noAutofit/>
-          </a:bodyPr>
-          <a:lstStyle/>
-          <a:p>
-            <a:pPr marL="0" lvl="0" indent="0" algn="l" rtl="0">
-              <a:spcBef>
-                <a:spcPts val="0"/>
-              </a:spcBef>
-              <a:spcAft>
-                <a:spcPts val="0"/>
-              </a:spcAft>
-              <a:buNone/>
-            </a:pPr>
-            <a:r>
-              <a:rPr lang="en-US">
-                <a:latin typeface="Arial"/>
-                <a:ea typeface="Arial"/>
-                <a:cs typeface="Arial"/>
-                <a:sym typeface="Arial"/>
-              </a:rPr>
-              <a:t>3. Biểu đồ lớp</a:t>
-            </a:r>
-            <a:endParaRPr>
-              <a:latin typeface="Arial"/>
-              <a:ea typeface="Arial"/>
-              <a:cs typeface="Arial"/>
-              <a:sym typeface="Arial"/>
-            </a:endParaRPr>
-          </a:p>
-        </p:txBody>
-      </p:sp>
-      <p:sp>
-        <p:nvSpPr>
-          <p:cNvPr id="104" name="Google Shape;104;g10d8ad6ea2c_0_49"/>
-          <p:cNvSpPr txBox="1">
-            <a:spLocks noGrp="1"/>
-          </p:cNvSpPr>
-          <p:nvPr>
-            <p:ph type="body" idx="1"/>
-          </p:nvPr>
-        </p:nvSpPr>
-        <p:spPr>
-          <a:xfrm>
-            <a:off x="235077" y="841247"/>
-            <a:ext cx="8674200" cy="5303400"/>
-          </a:xfrm>
-          <a:prstGeom prst="rect">
-            <a:avLst/>
-          </a:prstGeom>
-        </p:spPr>
-        <p:txBody>
-          <a:bodyPr spcFirstLastPara="1" wrap="square" lIns="91425" tIns="45700" rIns="91425" bIns="45700" anchor="t" anchorCtr="0">
-            <a:noAutofit/>
-          </a:bodyPr>
-          <a:lstStyle/>
-          <a:p>
-            <a:pPr marL="457200" lvl="0" indent="-406400" algn="l" rtl="0">
-              <a:spcBef>
-                <a:spcPts val="1000"/>
-              </a:spcBef>
-              <a:spcAft>
-                <a:spcPts val="0"/>
-              </a:spcAft>
-              <a:buSzPts val="2800"/>
-              <a:buFont typeface="Times New Roman"/>
-              <a:buChar char="•"/>
-            </a:pPr>
-            <a:r>
-              <a:rPr lang="en-US">
-                <a:latin typeface="Times New Roman"/>
-                <a:ea typeface="Times New Roman"/>
-                <a:cs typeface="Times New Roman"/>
-                <a:sym typeface="Times New Roman"/>
-              </a:rPr>
-              <a:t>Xem thông tin xe</a:t>
-            </a:r>
-            <a:endParaRPr>
-              <a:latin typeface="Times New Roman"/>
-              <a:ea typeface="Times New Roman"/>
-              <a:cs typeface="Times New Roman"/>
-              <a:sym typeface="Times New Roman"/>
-            </a:endParaRPr>
-          </a:p>
-        </p:txBody>
-      </p:sp>
-      <p:pic>
-        <p:nvPicPr>
-          <p:cNvPr id="105" name="Google Shape;105;g10d8ad6ea2c_0_49"/>
-          <p:cNvPicPr preferRelativeResize="0"/>
-          <p:nvPr/>
-        </p:nvPicPr>
-        <p:blipFill>
-          <a:blip r:embed="rId3">
-            <a:alphaModFix/>
-          </a:blip>
-          <a:stretch>
-            <a:fillRect/>
-          </a:stretch>
-        </p:blipFill>
-        <p:spPr>
-          <a:xfrm>
-            <a:off x="1226125" y="1347350"/>
-            <a:ext cx="6691761" cy="4797300"/>
-          </a:xfrm>
-          <a:prstGeom prst="rect">
-            <a:avLst/>
-          </a:prstGeom>
-          <a:noFill/>
-          <a:ln>
-            <a:noFill/>
-          </a:ln>
-        </p:spPr>
-      </p:pic>
-    </p:spTree>
+    <p:extLst>
+      <p:ext uri="{BB962C8B-B14F-4D97-AF65-F5344CB8AC3E}">
+        <p14:creationId xmlns:p14="http://schemas.microsoft.com/office/powerpoint/2010/main" val="2718040734"/>
+      </p:ext>
+    </p:extLst>
   </p:cSld>
   <p:clrMapOvr>
     <a:masterClrMapping/>
